--- a/Lecture Materials/E/7_b - RNNs for Text.pptx
+++ b/Lecture Materials/E/7_b - RNNs for Text.pptx
@@ -5,7 +5,7 @@
     <p:sldMasterId id="2147483648" r:id="rId1"/>
   </p:sldMasterIdLst>
   <p:notesMasterIdLst>
-    <p:notesMasterId r:id="rId19"/>
+    <p:notesMasterId r:id="rId21"/>
   </p:notesMasterIdLst>
   <p:sldIdLst>
     <p:sldId id="256" r:id="rId2"/>
@@ -13,40 +13,42 @@
     <p:sldId id="258" r:id="rId4"/>
     <p:sldId id="259" r:id="rId5"/>
     <p:sldId id="260" r:id="rId6"/>
-    <p:sldId id="261" r:id="rId7"/>
-    <p:sldId id="262" r:id="rId8"/>
-    <p:sldId id="263" r:id="rId9"/>
+    <p:sldId id="262" r:id="rId7"/>
+    <p:sldId id="263" r:id="rId8"/>
+    <p:sldId id="273" r:id="rId9"/>
     <p:sldId id="264" r:id="rId10"/>
     <p:sldId id="265" r:id="rId11"/>
     <p:sldId id="266" r:id="rId12"/>
-    <p:sldId id="267" r:id="rId13"/>
-    <p:sldId id="268" r:id="rId14"/>
-    <p:sldId id="269" r:id="rId15"/>
-    <p:sldId id="270" r:id="rId16"/>
-    <p:sldId id="271" r:id="rId17"/>
-    <p:sldId id="272" r:id="rId18"/>
+    <p:sldId id="261" r:id="rId13"/>
+    <p:sldId id="267" r:id="rId14"/>
+    <p:sldId id="274" r:id="rId15"/>
+    <p:sldId id="268" r:id="rId16"/>
+    <p:sldId id="269" r:id="rId17"/>
+    <p:sldId id="270" r:id="rId18"/>
+    <p:sldId id="271" r:id="rId19"/>
+    <p:sldId id="272" r:id="rId20"/>
   </p:sldIdLst>
   <p:sldSz cx="12192000" cy="6858000"/>
   <p:notesSz cx="6858000" cy="9144000"/>
   <p:embeddedFontLst>
     <p:embeddedFont>
       <p:font typeface="Calibri" panose="020F0502020204030204" pitchFamily="34" charset="0"/>
-      <p:regular r:id="rId20"/>
-      <p:bold r:id="rId21"/>
-      <p:italic r:id="rId22"/>
-      <p:boldItalic r:id="rId23"/>
+      <p:regular r:id="rId22"/>
+      <p:bold r:id="rId23"/>
+      <p:italic r:id="rId24"/>
+      <p:boldItalic r:id="rId25"/>
     </p:embeddedFont>
     <p:embeddedFont>
       <p:font typeface="Economica" panose="02000506040000020004" pitchFamily="2" charset="77"/>
-      <p:regular r:id="rId24"/>
-      <p:bold r:id="rId25"/>
-      <p:italic r:id="rId26"/>
-      <p:boldItalic r:id="rId27"/>
+      <p:regular r:id="rId26"/>
+      <p:bold r:id="rId27"/>
+      <p:italic r:id="rId28"/>
+      <p:boldItalic r:id="rId29"/>
     </p:embeddedFont>
     <p:embeddedFont>
       <p:font typeface="Quicksand" pitchFamily="2" charset="77"/>
-      <p:regular r:id="rId28"/>
-      <p:bold r:id="rId29"/>
+      <p:regular r:id="rId30"/>
+      <p:bold r:id="rId31"/>
     </p:embeddedFont>
   </p:embeddedFontLst>
   <p:defaultTextStyle>
@@ -279,8 +281,11 @@
     </a:lvl9pPr>
   </p:defaultTextStyle>
   <p:extLst>
+    <p:ext uri="{EFAFB233-063F-42B5-8137-9DF3F51BA10A}">
+      <p15:sldGuideLst xmlns:p15="http://schemas.microsoft.com/office/powerpoint/2012/main"/>
+    </p:ext>
     <p:ext uri="http://customooxmlschemas.google.com/">
-      <go:slidesCustomData xmlns:go="http://customooxmlschemas.google.com/" xmlns:ahyp="http://schemas.microsoft.com/office/drawing/2018/hyperlinkcolor" xmlns:p15="http://schemas.microsoft.com/office/powerpoint/2012/main" xmlns:p14="http://schemas.microsoft.com/office/powerpoint/2010/main" xmlns:com="http://schemas.openxmlformats.org/drawingml/2006/compatibility" xmlns:pvml="urn:schemas-microsoft-com:office:powerpoint" xmlns:v="urn:schemas-microsoft-com:vml" xmlns:o="urn:schemas-microsoft-com:office:office" xmlns:dgm="http://schemas.openxmlformats.org/drawingml/2006/diagram" xmlns:c="http://schemas.openxmlformats.org/drawingml/2006/chart" xmlns:mv="urn:schemas-microsoft-com:mac:vml" xmlns:mc="http://schemas.openxmlformats.org/markup-compatibility/2006" xmlns="" r:id="rId30" roundtripDataSignature="AMtx7mhQWxUkfp1DOnPvK0uN84F+pN0S2g=="/>
+      <go:slidesCustomData xmlns:go="http://customooxmlschemas.google.com/" xmlns:ahyp="http://schemas.microsoft.com/office/drawing/2018/hyperlinkcolor" xmlns:p15="http://schemas.microsoft.com/office/powerpoint/2012/main" xmlns:p14="http://schemas.microsoft.com/office/powerpoint/2010/main" xmlns:com="http://schemas.openxmlformats.org/drawingml/2006/compatibility" xmlns:pvml="urn:schemas-microsoft-com:office:powerpoint" xmlns:v="urn:schemas-microsoft-com:vml" xmlns:o="urn:schemas-microsoft-com:office:office" xmlns:dgm="http://schemas.openxmlformats.org/drawingml/2006/diagram" xmlns:c="http://schemas.openxmlformats.org/drawingml/2006/chart" xmlns:mv="urn:schemas-microsoft-com:mac:vml" xmlns:mc="http://schemas.openxmlformats.org/markup-compatibility/2006" xmlns="" r:id="rId32" roundtripDataSignature="AMtx7mhQWxUkfp1DOnPvK0uN84F+pN0S2g=="/>
     </p:ext>
   </p:extLst>
 </p:presentation>
@@ -1924,6 +1929,110 @@
   <p:cSld>
     <p:spTree>
       <p:nvGrpSpPr>
+        <p:cNvPr id="1" name="Shape 126"/>
+        <p:cNvGrpSpPr/>
+        <p:nvPr/>
+      </p:nvGrpSpPr>
+      <p:grpSpPr>
+        <a:xfrm>
+          <a:off x="0" y="0"/>
+          <a:ext cx="0" cy="0"/>
+          <a:chOff x="0" y="0"/>
+          <a:chExt cx="0" cy="0"/>
+        </a:xfrm>
+      </p:grpSpPr>
+      <p:sp>
+        <p:nvSpPr>
+          <p:cNvPr id="127" name="Google Shape;127;p6:notes"/>
+          <p:cNvSpPr txBox="1">
+            <a:spLocks noGrp="1"/>
+          </p:cNvSpPr>
+          <p:nvPr>
+            <p:ph type="body" idx="1"/>
+          </p:nvPr>
+        </p:nvSpPr>
+        <p:spPr>
+          <a:xfrm>
+            <a:off x="685800" y="4400550"/>
+            <a:ext cx="5486400" cy="3600450"/>
+          </a:xfrm>
+          <a:prstGeom prst="rect">
+            <a:avLst/>
+          </a:prstGeom>
+        </p:spPr>
+        <p:txBody>
+          <a:bodyPr spcFirstLastPara="1" wrap="square" lIns="91425" tIns="45700" rIns="91425" bIns="45700" anchor="t" anchorCtr="0">
+            <a:noAutofit/>
+          </a:bodyPr>
+          <a:lstStyle/>
+          <a:p>
+            <a:pPr marL="0" lvl="0" indent="0" algn="l" rtl="0">
+              <a:spcBef>
+                <a:spcPts val="0"/>
+              </a:spcBef>
+              <a:spcAft>
+                <a:spcPts val="0"/>
+              </a:spcAft>
+              <a:buNone/>
+            </a:pPr>
+            <a:endParaRPr/>
+          </a:p>
+        </p:txBody>
+      </p:sp>
+      <p:sp>
+        <p:nvSpPr>
+          <p:cNvPr id="128" name="Google Shape;128;p6:notes"/>
+          <p:cNvSpPr>
+            <a:spLocks noGrp="1" noRot="1" noChangeAspect="1"/>
+          </p:cNvSpPr>
+          <p:nvPr>
+            <p:ph type="sldImg" idx="2"/>
+          </p:nvPr>
+        </p:nvSpPr>
+        <p:spPr>
+          <a:xfrm>
+            <a:off x="685800" y="1143000"/>
+            <a:ext cx="5486400" cy="3086100"/>
+          </a:xfrm>
+          <a:custGeom>
+            <a:avLst/>
+            <a:gdLst/>
+            <a:ahLst/>
+            <a:cxnLst/>
+            <a:rect l="l" t="t" r="r" b="b"/>
+            <a:pathLst>
+              <a:path w="120000" h="120000" extrusionOk="0">
+                <a:moveTo>
+                  <a:pt x="0" y="0"/>
+                </a:moveTo>
+                <a:lnTo>
+                  <a:pt x="120000" y="0"/>
+                </a:lnTo>
+                <a:lnTo>
+                  <a:pt x="120000" y="120000"/>
+                </a:lnTo>
+                <a:lnTo>
+                  <a:pt x="0" y="120000"/>
+                </a:lnTo>
+                <a:close/>
+              </a:path>
+            </a:pathLst>
+          </a:custGeom>
+        </p:spPr>
+      </p:sp>
+    </p:spTree>
+  </p:cSld>
+  <p:clrMapOvr>
+    <a:masterClrMapping/>
+  </p:clrMapOvr>
+</p:notes>
+</file>
+
+<file path=ppt/notesSlides/notesSlide13.xml><?xml version="1.0" encoding="utf-8"?>
+<p:notes xmlns:a="http://schemas.openxmlformats.org/drawingml/2006/main" xmlns:r="http://schemas.openxmlformats.org/officeDocument/2006/relationships" xmlns:p="http://schemas.openxmlformats.org/presentationml/2006/main" showMasterSp="0" showMasterPhAnim="0">
+  <p:cSld>
+    <p:spTree>
+      <p:nvGrpSpPr>
         <p:cNvPr id="1" name="Shape 173"/>
         <p:cNvGrpSpPr/>
         <p:nvPr/>
@@ -2129,7 +2238,7 @@
             </a:pPr>
             <a:fld id="{00000000-1234-1234-1234-123412341234}" type="slidenum">
               <a:rPr lang="en-US"/>
-              <a:t>12</a:t>
+              <a:t>13</a:t>
             </a:fld>
             <a:endParaRPr/>
           </a:p>
@@ -2143,7 +2252,252 @@
 </p:notes>
 </file>
 
-<file path=ppt/notesSlides/notesSlide13.xml><?xml version="1.0" encoding="utf-8"?>
+<file path=ppt/notesSlides/notesSlide14.xml><?xml version="1.0" encoding="utf-8"?>
+<p:notes xmlns:a="http://schemas.openxmlformats.org/drawingml/2006/main" xmlns:r="http://schemas.openxmlformats.org/officeDocument/2006/relationships" xmlns:p="http://schemas.openxmlformats.org/presentationml/2006/main" showMasterSp="0" showMasterPhAnim="0">
+  <p:cSld>
+    <p:spTree>
+      <p:nvGrpSpPr>
+        <p:cNvPr id="1" name="Shape 173"/>
+        <p:cNvGrpSpPr/>
+        <p:nvPr/>
+      </p:nvGrpSpPr>
+      <p:grpSpPr>
+        <a:xfrm>
+          <a:off x="0" y="0"/>
+          <a:ext cx="0" cy="0"/>
+          <a:chOff x="0" y="0"/>
+          <a:chExt cx="0" cy="0"/>
+        </a:xfrm>
+      </p:grpSpPr>
+      <p:sp>
+        <p:nvSpPr>
+          <p:cNvPr id="174" name="Google Shape;174;p14:notes"/>
+          <p:cNvSpPr>
+            <a:spLocks noGrp="1" noRot="1" noChangeAspect="1"/>
+          </p:cNvSpPr>
+          <p:nvPr>
+            <p:ph type="sldImg" idx="2"/>
+          </p:nvPr>
+        </p:nvSpPr>
+        <p:spPr>
+          <a:xfrm>
+            <a:off x="685800" y="1143000"/>
+            <a:ext cx="5486400" cy="3086100"/>
+          </a:xfrm>
+          <a:custGeom>
+            <a:avLst/>
+            <a:gdLst/>
+            <a:ahLst/>
+            <a:cxnLst/>
+            <a:rect l="l" t="t" r="r" b="b"/>
+            <a:pathLst>
+              <a:path w="120000" h="120000" extrusionOk="0">
+                <a:moveTo>
+                  <a:pt x="0" y="0"/>
+                </a:moveTo>
+                <a:lnTo>
+                  <a:pt x="120000" y="0"/>
+                </a:lnTo>
+                <a:lnTo>
+                  <a:pt x="120000" y="120000"/>
+                </a:lnTo>
+                <a:lnTo>
+                  <a:pt x="0" y="120000"/>
+                </a:lnTo>
+                <a:close/>
+              </a:path>
+            </a:pathLst>
+          </a:custGeom>
+          <a:noFill/>
+          <a:ln w="12700" cap="flat" cmpd="sng">
+            <a:solidFill>
+              <a:srgbClr val="000000"/>
+            </a:solidFill>
+            <a:prstDash val="solid"/>
+            <a:round/>
+            <a:headEnd type="none" w="sm" len="sm"/>
+            <a:tailEnd type="none" w="sm" len="sm"/>
+          </a:ln>
+        </p:spPr>
+      </p:sp>
+      <p:sp>
+        <p:nvSpPr>
+          <p:cNvPr id="175" name="Google Shape;175;p14:notes"/>
+          <p:cNvSpPr txBox="1">
+            <a:spLocks noGrp="1"/>
+          </p:cNvSpPr>
+          <p:nvPr>
+            <p:ph type="body" idx="1"/>
+          </p:nvPr>
+        </p:nvSpPr>
+        <p:spPr>
+          <a:xfrm>
+            <a:off x="685800" y="4400550"/>
+            <a:ext cx="5486400" cy="3600450"/>
+          </a:xfrm>
+          <a:prstGeom prst="rect">
+            <a:avLst/>
+          </a:prstGeom>
+          <a:noFill/>
+          <a:ln>
+            <a:noFill/>
+          </a:ln>
+        </p:spPr>
+        <p:txBody>
+          <a:bodyPr spcFirstLastPara="1" wrap="square" lIns="91425" tIns="45700" rIns="91425" bIns="45700" anchor="t" anchorCtr="0">
+            <a:noAutofit/>
+          </a:bodyPr>
+          <a:lstStyle/>
+          <a:p>
+            <a:pPr marL="0" lvl="0" indent="0" algn="l" rtl="0">
+              <a:spcBef>
+                <a:spcPts val="0"/>
+              </a:spcBef>
+              <a:spcAft>
+                <a:spcPts val="0"/>
+              </a:spcAft>
+              <a:buNone/>
+            </a:pPr>
+            <a:r>
+              <a:rPr lang="en-US" dirty="0"/>
+              <a:t>Attention layers are a very general concept. They can be implemented in many ways, using custom layers in </a:t>
+            </a:r>
+            <a:r>
+              <a:rPr lang="en-US" dirty="0" err="1"/>
+              <a:t>Keras</a:t>
+            </a:r>
+            <a:r>
+              <a:rPr lang="en-US" dirty="0"/>
+              <a:t>, for example, or using pre-defined layers. The book gives one example of a self-attention mechanism in text, which is based on vector dot products between words’ vector embeddings. Just understand that this is merely one example of attention, and it’s not how every attention mechanism will work. </a:t>
+            </a:r>
+            <a:endParaRPr dirty="0"/>
+          </a:p>
+          <a:p>
+            <a:pPr marL="0" lvl="0" indent="0" algn="l" rtl="0">
+              <a:spcBef>
+                <a:spcPts val="0"/>
+              </a:spcBef>
+              <a:spcAft>
+                <a:spcPts val="0"/>
+              </a:spcAft>
+              <a:buNone/>
+            </a:pPr>
+            <a:endParaRPr dirty="0"/>
+          </a:p>
+          <a:p>
+            <a:pPr marL="0" lvl="0" indent="0" algn="l" rtl="0">
+              <a:spcBef>
+                <a:spcPts val="0"/>
+              </a:spcBef>
+              <a:spcAft>
+                <a:spcPts val="0"/>
+              </a:spcAft>
+              <a:buNone/>
+            </a:pPr>
+            <a:r>
+              <a:rPr lang="en-US" dirty="0"/>
+              <a:t>Matrix on the left is the result of taking dot products between word (e.g., on the row index, station) and every other word (column index) (this is imaginary). We then take the resulting values and scale them / run them through a </a:t>
+            </a:r>
+            <a:r>
+              <a:rPr lang="en-US" dirty="0" err="1"/>
+              <a:t>softmax</a:t>
+            </a:r>
+            <a:r>
+              <a:rPr lang="en-US" dirty="0"/>
+              <a:t>. This will yield values 0-1, that sum to 1. Last step is to multiply those scores by all the associated term vectors in the sequence, and then add them together. The result is a new ‘shifted’ word vector for ‘train’, which is ‘context aware’ (of other items in the sequence with it). </a:t>
+            </a:r>
+            <a:endParaRPr dirty="0"/>
+          </a:p>
+          <a:p>
+            <a:pPr marL="0" lvl="0" indent="0" algn="l" rtl="0">
+              <a:spcBef>
+                <a:spcPts val="0"/>
+              </a:spcBef>
+              <a:spcAft>
+                <a:spcPts val="0"/>
+              </a:spcAft>
+              <a:buNone/>
+            </a:pPr>
+            <a:endParaRPr dirty="0"/>
+          </a:p>
+          <a:p>
+            <a:pPr marL="0" lvl="0" indent="0" algn="l" rtl="0">
+              <a:spcBef>
+                <a:spcPts val="0"/>
+              </a:spcBef>
+              <a:spcAft>
+                <a:spcPts val="0"/>
+              </a:spcAft>
+              <a:buNone/>
+            </a:pPr>
+            <a:r>
+              <a:rPr lang="en-US" dirty="0"/>
+              <a:t>Remember, vector dot product is project of A onto B. So, if two words are orthogonal in embedding space (they are completely unrelated) then the dot product with be 0. If two words are parallel, it means they are semantically related, and their dot product will approach 1. </a:t>
+            </a:r>
+            <a:endParaRPr dirty="0"/>
+          </a:p>
+        </p:txBody>
+      </p:sp>
+      <p:sp>
+        <p:nvSpPr>
+          <p:cNvPr id="176" name="Google Shape;176;p14:notes"/>
+          <p:cNvSpPr txBox="1">
+            <a:spLocks noGrp="1"/>
+          </p:cNvSpPr>
+          <p:nvPr>
+            <p:ph type="sldNum" idx="12"/>
+          </p:nvPr>
+        </p:nvSpPr>
+        <p:spPr>
+          <a:xfrm>
+            <a:off x="3884613" y="8685213"/>
+            <a:ext cx="2971800" cy="458787"/>
+          </a:xfrm>
+          <a:prstGeom prst="rect">
+            <a:avLst/>
+          </a:prstGeom>
+          <a:noFill/>
+          <a:ln>
+            <a:noFill/>
+          </a:ln>
+        </p:spPr>
+        <p:txBody>
+          <a:bodyPr spcFirstLastPara="1" wrap="square" lIns="91425" tIns="45700" rIns="91425" bIns="45700" anchor="b" anchorCtr="0">
+            <a:noAutofit/>
+          </a:bodyPr>
+          <a:lstStyle/>
+          <a:p>
+            <a:pPr marL="0" lvl="0" indent="0" algn="r" rtl="0">
+              <a:spcBef>
+                <a:spcPts val="0"/>
+              </a:spcBef>
+              <a:spcAft>
+                <a:spcPts val="0"/>
+              </a:spcAft>
+              <a:buNone/>
+            </a:pPr>
+            <a:fld id="{00000000-1234-1234-1234-123412341234}" type="slidenum">
+              <a:rPr lang="en-US"/>
+              <a:t>14</a:t>
+            </a:fld>
+            <a:endParaRPr/>
+          </a:p>
+        </p:txBody>
+      </p:sp>
+    </p:spTree>
+    <p:extLst>
+      <p:ext uri="{BB962C8B-B14F-4D97-AF65-F5344CB8AC3E}">
+        <p14:creationId xmlns:p14="http://schemas.microsoft.com/office/powerpoint/2010/main" val="2484191227"/>
+      </p:ext>
+    </p:extLst>
+  </p:cSld>
+  <p:clrMapOvr>
+    <a:masterClrMapping/>
+  </p:clrMapOvr>
+</p:notes>
+</file>
+
+<file path=ppt/notesSlides/notesSlide15.xml><?xml version="1.0" encoding="utf-8"?>
 <p:notes xmlns:a="http://schemas.openxmlformats.org/drawingml/2006/main" xmlns:r="http://schemas.openxmlformats.org/officeDocument/2006/relationships" xmlns:p="http://schemas.openxmlformats.org/presentationml/2006/main" showMasterSp="0" showMasterPhAnim="0">
   <p:cSld>
     <p:spTree>
@@ -2293,7 +2647,7 @@
             </a:pPr>
             <a:fld id="{00000000-1234-1234-1234-123412341234}" type="slidenum">
               <a:rPr lang="en-US"/>
-              <a:t>13</a:t>
+              <a:t>15</a:t>
             </a:fld>
             <a:endParaRPr/>
           </a:p>
@@ -2307,7 +2661,7 @@
 </p:notes>
 </file>
 
-<file path=ppt/notesSlides/notesSlide14.xml><?xml version="1.0" encoding="utf-8"?>
+<file path=ppt/notesSlides/notesSlide16.xml><?xml version="1.0" encoding="utf-8"?>
 <p:notes xmlns:a="http://schemas.openxmlformats.org/drawingml/2006/main" xmlns:r="http://schemas.openxmlformats.org/officeDocument/2006/relationships" xmlns:p="http://schemas.openxmlformats.org/presentationml/2006/main" showMasterSp="0" showMasterPhAnim="0">
   <p:cSld>
     <p:spTree>
@@ -2413,6 +2767,14 @@
               </a:spcAft>
               <a:buNone/>
             </a:pPr>
+            <a:r>
+              <a:rPr lang="en-US" dirty="0"/>
+              <a:t>I’ll come back to this </a:t>
+            </a:r>
+            <a:r>
+              <a:rPr lang="en-US"/>
+              <a:t>next class!</a:t>
+            </a:r>
             <a:endParaRPr/>
           </a:p>
         </p:txBody>
@@ -2457,7 +2819,7 @@
             </a:pPr>
             <a:fld id="{00000000-1234-1234-1234-123412341234}" type="slidenum">
               <a:rPr lang="en-US"/>
-              <a:t>14</a:t>
+              <a:t>16</a:t>
             </a:fld>
             <a:endParaRPr/>
           </a:p>
@@ -2471,7 +2833,7 @@
 </p:notes>
 </file>
 
-<file path=ppt/notesSlides/notesSlide15.xml><?xml version="1.0" encoding="utf-8"?>
+<file path=ppt/notesSlides/notesSlide17.xml><?xml version="1.0" encoding="utf-8"?>
 <p:notes xmlns:a="http://schemas.openxmlformats.org/drawingml/2006/main" xmlns:r="http://schemas.openxmlformats.org/officeDocument/2006/relationships" xmlns:p="http://schemas.openxmlformats.org/presentationml/2006/main" showMasterSp="0" showMasterPhAnim="0">
   <p:cSld>
     <p:spTree>
@@ -2625,7 +2987,7 @@
             </a:pPr>
             <a:fld id="{00000000-1234-1234-1234-123412341234}" type="slidenum">
               <a:rPr lang="en-US"/>
-              <a:t>15</a:t>
+              <a:t>17</a:t>
             </a:fld>
             <a:endParaRPr/>
           </a:p>
@@ -2639,7 +3001,7 @@
 </p:notes>
 </file>
 
-<file path=ppt/notesSlides/notesSlide16.xml><?xml version="1.0" encoding="utf-8"?>
+<file path=ppt/notesSlides/notesSlide18.xml><?xml version="1.0" encoding="utf-8"?>
 <p:notes xmlns:a="http://schemas.openxmlformats.org/drawingml/2006/main" xmlns:r="http://schemas.openxmlformats.org/officeDocument/2006/relationships" xmlns:p="http://schemas.openxmlformats.org/presentationml/2006/main" showMasterSp="0" showMasterPhAnim="0">
   <p:cSld>
     <p:spTree>
@@ -2793,7 +3155,7 @@
             </a:pPr>
             <a:fld id="{00000000-1234-1234-1234-123412341234}" type="slidenum">
               <a:rPr lang="en-US"/>
-              <a:t>16</a:t>
+              <a:t>18</a:t>
             </a:fld>
             <a:endParaRPr/>
           </a:p>
@@ -2807,7 +3169,7 @@
 </p:notes>
 </file>
 
-<file path=ppt/notesSlides/notesSlide17.xml><?xml version="1.0" encoding="utf-8"?>
+<file path=ppt/notesSlides/notesSlide19.xml><?xml version="1.0" encoding="utf-8"?>
 <p:notes xmlns:a="http://schemas.openxmlformats.org/drawingml/2006/main" xmlns:r="http://schemas.openxmlformats.org/officeDocument/2006/relationships" xmlns:p="http://schemas.openxmlformats.org/presentationml/2006/main" showMasterSp="0" showMasterPhAnim="0">
   <p:cSld>
     <p:spTree>
@@ -2961,7 +3323,7 @@
             </a:pPr>
             <a:fld id="{00000000-1234-1234-1234-123412341234}" type="slidenum">
               <a:rPr lang="en-US"/>
-              <a:t>17</a:t>
+              <a:t>19</a:t>
             </a:fld>
             <a:endParaRPr/>
           </a:p>
@@ -3338,7 +3700,74 @@
               </a:spcAft>
               <a:buNone/>
             </a:pPr>
-            <a:endParaRPr/>
+            <a:r>
+              <a:rPr lang="en-US" dirty="0"/>
+              <a:t>All text vect</a:t>
+            </a:r>
+            <a:r>
+              <a:rPr lang="en-US" b="1" dirty="0"/>
+              <a:t>orization techniques generally work the same way. </a:t>
+            </a:r>
+          </a:p>
+          <a:p>
+            <a:pPr marL="0" lvl="0" indent="0" algn="l" rtl="0">
+              <a:spcBef>
+                <a:spcPts val="0"/>
+              </a:spcBef>
+              <a:spcAft>
+                <a:spcPts val="0"/>
+              </a:spcAft>
+              <a:buNone/>
+            </a:pPr>
+            <a:endParaRPr lang="en-US" b="1" dirty="0"/>
+          </a:p>
+          <a:p>
+            <a:pPr marL="171450" lvl="0" indent="-171450" algn="l" rtl="0">
+              <a:spcBef>
+                <a:spcPts val="0"/>
+              </a:spcBef>
+              <a:spcAft>
+                <a:spcPts val="0"/>
+              </a:spcAft>
+              <a:buFontTx/>
+              <a:buChar char="-"/>
+            </a:pPr>
+            <a:r>
+              <a:rPr lang="en-US" b="1" dirty="0"/>
+              <a:t>We throw out words we don’t want, standardize the rest. </a:t>
+            </a:r>
+          </a:p>
+          <a:p>
+            <a:pPr marL="171450" lvl="0" indent="-171450" algn="l" rtl="0">
+              <a:spcBef>
+                <a:spcPts val="0"/>
+              </a:spcBef>
+              <a:spcAft>
+                <a:spcPts val="0"/>
+              </a:spcAft>
+              <a:buFontTx/>
+              <a:buChar char="-"/>
+            </a:pPr>
+            <a:r>
+              <a:rPr lang="en-US" b="1" dirty="0"/>
+              <a:t>We then tokenize the text (split into lists of characters, words, or word-groups.</a:t>
+            </a:r>
+          </a:p>
+          <a:p>
+            <a:pPr marL="171450" lvl="0" indent="-171450" algn="l" rtl="0">
+              <a:spcBef>
+                <a:spcPts val="0"/>
+              </a:spcBef>
+              <a:spcAft>
+                <a:spcPts val="0"/>
+              </a:spcAft>
+              <a:buFontTx/>
+              <a:buChar char="-"/>
+            </a:pPr>
+            <a:r>
+              <a:rPr lang="en-US" b="1" dirty="0"/>
+              <a:t>We then convert each token into some numeric vector representation (many ways we might do this).</a:t>
+            </a:r>
           </a:p>
         </p:txBody>
       </p:sp>
@@ -3396,7 +3825,7 @@
   <p:cSld>
     <p:spTree>
       <p:nvGrpSpPr>
-        <p:cNvPr id="1" name="Shape 126"/>
+        <p:cNvPr id="1" name="Shape 133"/>
         <p:cNvGrpSpPr/>
         <p:nvPr/>
       </p:nvGrpSpPr>
@@ -3410,7 +3839,7 @@
       </p:grpSpPr>
       <p:sp>
         <p:nvSpPr>
-          <p:cNvPr id="127" name="Google Shape;127;p6:notes"/>
+          <p:cNvPr id="134" name="Google Shape;134;p7:notes"/>
           <p:cNvSpPr txBox="1">
             <a:spLocks noGrp="1"/>
           </p:cNvSpPr>
@@ -3448,7 +3877,7 @@
       </p:sp>
       <p:sp>
         <p:nvSpPr>
-          <p:cNvPr id="128" name="Google Shape;128;p6:notes"/>
+          <p:cNvPr id="135" name="Google Shape;135;p7:notes"/>
           <p:cNvSpPr>
             <a:spLocks noGrp="1" noRot="1" noChangeAspect="1"/>
           </p:cNvSpPr>
@@ -3500,7 +3929,7 @@
   <p:cSld>
     <p:spTree>
       <p:nvGrpSpPr>
-        <p:cNvPr id="1" name="Shape 133"/>
+        <p:cNvPr id="1" name="Shape 140"/>
         <p:cNvGrpSpPr/>
         <p:nvPr/>
       </p:nvGrpSpPr>
@@ -3514,45 +3943,7 @@
       </p:grpSpPr>
       <p:sp>
         <p:nvSpPr>
-          <p:cNvPr id="134" name="Google Shape;134;p7:notes"/>
-          <p:cNvSpPr txBox="1">
-            <a:spLocks noGrp="1"/>
-          </p:cNvSpPr>
-          <p:nvPr>
-            <p:ph type="body" idx="1"/>
-          </p:nvPr>
-        </p:nvSpPr>
-        <p:spPr>
-          <a:xfrm>
-            <a:off x="685800" y="4400550"/>
-            <a:ext cx="5486400" cy="3600450"/>
-          </a:xfrm>
-          <a:prstGeom prst="rect">
-            <a:avLst/>
-          </a:prstGeom>
-        </p:spPr>
-        <p:txBody>
-          <a:bodyPr spcFirstLastPara="1" wrap="square" lIns="91425" tIns="45700" rIns="91425" bIns="45700" anchor="t" anchorCtr="0">
-            <a:noAutofit/>
-          </a:bodyPr>
-          <a:lstStyle/>
-          <a:p>
-            <a:pPr marL="0" lvl="0" indent="0" algn="l" rtl="0">
-              <a:spcBef>
-                <a:spcPts val="0"/>
-              </a:spcBef>
-              <a:spcAft>
-                <a:spcPts val="0"/>
-              </a:spcAft>
-              <a:buNone/>
-            </a:pPr>
-            <a:endParaRPr/>
-          </a:p>
-        </p:txBody>
-      </p:sp>
-      <p:sp>
-        <p:nvSpPr>
-          <p:cNvPr id="135" name="Google Shape;135;p7:notes"/>
+          <p:cNvPr id="141" name="Google Shape;141;p8:notes"/>
           <p:cNvSpPr>
             <a:spLocks noGrp="1" noRot="1" noChangeAspect="1"/>
           </p:cNvSpPr>
@@ -3589,7 +3980,105 @@
               </a:path>
             </a:pathLst>
           </a:custGeom>
+          <a:noFill/>
+          <a:ln w="12700" cap="flat" cmpd="sng">
+            <a:solidFill>
+              <a:srgbClr val="000000"/>
+            </a:solidFill>
+            <a:prstDash val="solid"/>
+            <a:round/>
+            <a:headEnd type="none" w="sm" len="sm"/>
+            <a:tailEnd type="none" w="sm" len="sm"/>
+          </a:ln>
         </p:spPr>
+      </p:sp>
+      <p:sp>
+        <p:nvSpPr>
+          <p:cNvPr id="142" name="Google Shape;142;p8:notes"/>
+          <p:cNvSpPr txBox="1">
+            <a:spLocks noGrp="1"/>
+          </p:cNvSpPr>
+          <p:nvPr>
+            <p:ph type="body" idx="1"/>
+          </p:nvPr>
+        </p:nvSpPr>
+        <p:spPr>
+          <a:xfrm>
+            <a:off x="685800" y="4400550"/>
+            <a:ext cx="5486400" cy="3600450"/>
+          </a:xfrm>
+          <a:prstGeom prst="rect">
+            <a:avLst/>
+          </a:prstGeom>
+          <a:noFill/>
+          <a:ln>
+            <a:noFill/>
+          </a:ln>
+        </p:spPr>
+        <p:txBody>
+          <a:bodyPr spcFirstLastPara="1" wrap="square" lIns="91425" tIns="45700" rIns="91425" bIns="45700" anchor="t" anchorCtr="0">
+            <a:noAutofit/>
+          </a:bodyPr>
+          <a:lstStyle/>
+          <a:p>
+            <a:pPr marL="0" lvl="0" indent="0" algn="l" rtl="0">
+              <a:spcBef>
+                <a:spcPts val="0"/>
+              </a:spcBef>
+              <a:spcAft>
+                <a:spcPts val="0"/>
+              </a:spcAft>
+              <a:buNone/>
+            </a:pPr>
+            <a:endParaRPr dirty="0"/>
+          </a:p>
+        </p:txBody>
+      </p:sp>
+      <p:sp>
+        <p:nvSpPr>
+          <p:cNvPr id="143" name="Google Shape;143;p8:notes"/>
+          <p:cNvSpPr txBox="1">
+            <a:spLocks noGrp="1"/>
+          </p:cNvSpPr>
+          <p:nvPr>
+            <p:ph type="sldNum" idx="12"/>
+          </p:nvPr>
+        </p:nvSpPr>
+        <p:spPr>
+          <a:xfrm>
+            <a:off x="3884613" y="8685213"/>
+            <a:ext cx="2971800" cy="458787"/>
+          </a:xfrm>
+          <a:prstGeom prst="rect">
+            <a:avLst/>
+          </a:prstGeom>
+          <a:noFill/>
+          <a:ln>
+            <a:noFill/>
+          </a:ln>
+        </p:spPr>
+        <p:txBody>
+          <a:bodyPr spcFirstLastPara="1" wrap="square" lIns="91425" tIns="45700" rIns="91425" bIns="45700" anchor="b" anchorCtr="0">
+            <a:noAutofit/>
+          </a:bodyPr>
+          <a:lstStyle/>
+          <a:p>
+            <a:pPr marL="0" lvl="0" indent="0" algn="r" rtl="0">
+              <a:spcBef>
+                <a:spcPts val="0"/>
+              </a:spcBef>
+              <a:spcAft>
+                <a:spcPts val="0"/>
+              </a:spcAft>
+              <a:buNone/>
+            </a:pPr>
+            <a:fld id="{00000000-1234-1234-1234-123412341234}" type="slidenum">
+              <a:rPr lang="en-US"/>
+              <a:t>7</a:t>
+            </a:fld>
+            <a:endParaRPr/>
+          </a:p>
+        </p:txBody>
       </p:sp>
     </p:spTree>
   </p:cSld>
@@ -3760,6 +4249,11 @@
         </p:txBody>
       </p:sp>
     </p:spTree>
+    <p:extLst>
+      <p:ext uri="{BB962C8B-B14F-4D97-AF65-F5344CB8AC3E}">
+        <p14:creationId xmlns:p14="http://schemas.microsoft.com/office/powerpoint/2010/main" val="1944849024"/>
+      </p:ext>
+    </p:extLst>
   </p:cSld>
   <p:clrMapOvr>
     <a:masterClrMapping/>
@@ -14918,6 +15412,239 @@
   <p:cSld>
     <p:spTree>
       <p:nvGrpSpPr>
+        <p:cNvPr id="1" name="Shape 129"/>
+        <p:cNvGrpSpPr/>
+        <p:nvPr/>
+      </p:nvGrpSpPr>
+      <p:grpSpPr>
+        <a:xfrm>
+          <a:off x="0" y="0"/>
+          <a:ext cx="0" cy="0"/>
+          <a:chOff x="0" y="0"/>
+          <a:chExt cx="0" cy="0"/>
+        </a:xfrm>
+      </p:grpSpPr>
+      <p:sp>
+        <p:nvSpPr>
+          <p:cNvPr id="130" name="Google Shape;130;p6"/>
+          <p:cNvSpPr txBox="1">
+            <a:spLocks noGrp="1"/>
+          </p:cNvSpPr>
+          <p:nvPr>
+            <p:ph type="title"/>
+          </p:nvPr>
+        </p:nvSpPr>
+        <p:spPr>
+          <a:xfrm>
+            <a:off x="838200" y="376414"/>
+            <a:ext cx="10515600" cy="1325563"/>
+          </a:xfrm>
+          <a:prstGeom prst="rect">
+            <a:avLst/>
+          </a:prstGeom>
+          <a:noFill/>
+          <a:ln>
+            <a:noFill/>
+          </a:ln>
+        </p:spPr>
+        <p:txBody>
+          <a:bodyPr spcFirstLastPara="1" wrap="square" lIns="91425" tIns="45700" rIns="91425" bIns="45700" anchor="ctr" anchorCtr="0">
+            <a:normAutofit/>
+          </a:bodyPr>
+          <a:lstStyle/>
+          <a:p>
+            <a:pPr marL="0" lvl="0" indent="0" algn="ctr" rtl="0">
+              <a:lnSpc>
+                <a:spcPct val="90000"/>
+              </a:lnSpc>
+              <a:spcBef>
+                <a:spcPts val="0"/>
+              </a:spcBef>
+              <a:spcAft>
+                <a:spcPts val="0"/>
+              </a:spcAft>
+              <a:buClr>
+                <a:schemeClr val="dk1"/>
+              </a:buClr>
+              <a:buSzPts val="4923"/>
+              <a:buFont typeface="Economica"/>
+              <a:buNone/>
+            </a:pPr>
+            <a:r>
+              <a:rPr lang="en-US" sz="4923">
+                <a:latin typeface="Economica"/>
+                <a:ea typeface="Economica"/>
+                <a:cs typeface="Economica"/>
+                <a:sym typeface="Economica"/>
+              </a:rPr>
+              <a:t>Sequence vs. Bag-of-Words</a:t>
+            </a:r>
+            <a:endParaRPr/>
+          </a:p>
+        </p:txBody>
+      </p:sp>
+      <p:sp>
+        <p:nvSpPr>
+          <p:cNvPr id="131" name="Google Shape;131;p6"/>
+          <p:cNvSpPr txBox="1">
+            <a:spLocks noGrp="1"/>
+          </p:cNvSpPr>
+          <p:nvPr>
+            <p:ph type="body" idx="1"/>
+          </p:nvPr>
+        </p:nvSpPr>
+        <p:spPr>
+          <a:xfrm>
+            <a:off x="838200" y="1825625"/>
+            <a:ext cx="10515600" cy="4351338"/>
+          </a:xfrm>
+          <a:prstGeom prst="rect">
+            <a:avLst/>
+          </a:prstGeom>
+          <a:noFill/>
+          <a:ln>
+            <a:noFill/>
+          </a:ln>
+        </p:spPr>
+        <p:txBody>
+          <a:bodyPr spcFirstLastPara="1" wrap="square" lIns="91425" tIns="45700" rIns="91425" bIns="45700" anchor="t" anchorCtr="0">
+            <a:normAutofit/>
+          </a:bodyPr>
+          <a:lstStyle/>
+          <a:p>
+            <a:pPr marL="0" lvl="0" indent="0" algn="l" rtl="0">
+              <a:lnSpc>
+                <a:spcPct val="90000"/>
+              </a:lnSpc>
+              <a:spcBef>
+                <a:spcPts val="0"/>
+              </a:spcBef>
+              <a:spcAft>
+                <a:spcPts val="0"/>
+              </a:spcAft>
+              <a:buClr>
+                <a:schemeClr val="dk1"/>
+              </a:buClr>
+              <a:buSzPts val="2200"/>
+              <a:buNone/>
+            </a:pPr>
+            <a:r>
+              <a:rPr lang="en-US" sz="2200" b="1"/>
+              <a:t>Word-Ordering Contains Information</a:t>
+            </a:r>
+            <a:endParaRPr/>
+          </a:p>
+          <a:p>
+            <a:pPr marL="347663" lvl="1" indent="-236538" algn="l" rtl="0">
+              <a:lnSpc>
+                <a:spcPct val="90000"/>
+              </a:lnSpc>
+              <a:spcBef>
+                <a:spcPts val="500"/>
+              </a:spcBef>
+              <a:spcAft>
+                <a:spcPts val="0"/>
+              </a:spcAft>
+              <a:buClr>
+                <a:schemeClr val="dk1"/>
+              </a:buClr>
+              <a:buSzPts val="1900"/>
+              <a:buChar char="•"/>
+            </a:pPr>
+            <a:r>
+              <a:rPr lang="en-US" sz="1900"/>
+              <a:t>We can get a weak representation of language sequences using n-grams, but this can be limited.</a:t>
+            </a:r>
+            <a:endParaRPr/>
+          </a:p>
+          <a:p>
+            <a:pPr marL="347663" lvl="1" indent="-236538" algn="l" rtl="0">
+              <a:lnSpc>
+                <a:spcPct val="90000"/>
+              </a:lnSpc>
+              <a:spcBef>
+                <a:spcPts val="500"/>
+              </a:spcBef>
+              <a:spcAft>
+                <a:spcPts val="0"/>
+              </a:spcAft>
+              <a:buClr>
+                <a:schemeClr val="dk1"/>
+              </a:buClr>
+              <a:buSzPts val="1900"/>
+              <a:buChar char="•"/>
+            </a:pPr>
+            <a:r>
+              <a:rPr lang="en-US" sz="1900"/>
+              <a:t>Sequence-models may provide leverage more information from language in prediction tasks (if we have enough examples, and the sequences are short enough).</a:t>
+            </a:r>
+            <a:endParaRPr/>
+          </a:p>
+          <a:p>
+            <a:pPr marL="347663" lvl="1" indent="-236538" algn="l" rtl="0">
+              <a:lnSpc>
+                <a:spcPct val="90000"/>
+              </a:lnSpc>
+              <a:spcBef>
+                <a:spcPts val="500"/>
+              </a:spcBef>
+              <a:spcAft>
+                <a:spcPts val="0"/>
+              </a:spcAft>
+              <a:buClr>
+                <a:schemeClr val="dk1"/>
+              </a:buClr>
+              <a:buSzPts val="1900"/>
+              <a:buChar char="•"/>
+            </a:pPr>
+            <a:r>
+              <a:rPr lang="en-US" sz="1900"/>
+              <a:t>We can represent these sequences with RNNs, typically bidirectional RNNs (because word ordering and interpretation is not always linear). </a:t>
+            </a:r>
+            <a:endParaRPr/>
+          </a:p>
+        </p:txBody>
+      </p:sp>
+      <p:pic>
+        <p:nvPicPr>
+          <p:cNvPr id="132" name="Google Shape;132;p6"/>
+          <p:cNvPicPr preferRelativeResize="0"/>
+          <p:nvPr/>
+        </p:nvPicPr>
+        <p:blipFill rotWithShape="1">
+          <a:blip r:embed="rId3">
+            <a:alphaModFix/>
+          </a:blip>
+          <a:srcRect/>
+          <a:stretch/>
+        </p:blipFill>
+        <p:spPr>
+          <a:xfrm>
+            <a:off x="3448050" y="4339359"/>
+            <a:ext cx="5295900" cy="1270000"/>
+          </a:xfrm>
+          <a:prstGeom prst="rect">
+            <a:avLst/>
+          </a:prstGeom>
+          <a:noFill/>
+          <a:ln>
+            <a:noFill/>
+          </a:ln>
+        </p:spPr>
+      </p:pic>
+    </p:spTree>
+  </p:cSld>
+  <p:clrMapOvr>
+    <a:masterClrMapping/>
+  </p:clrMapOvr>
+</p:sld>
+</file>
+
+<file path=ppt/slides/slide13.xml><?xml version="1.0" encoding="utf-8"?>
+<p:sld xmlns:a="http://schemas.openxmlformats.org/drawingml/2006/main" xmlns:r="http://schemas.openxmlformats.org/officeDocument/2006/relationships" xmlns:p="http://schemas.openxmlformats.org/presentationml/2006/main">
+  <p:cSld>
+    <p:spTree>
+      <p:nvGrpSpPr>
         <p:cNvPr id="1" name="Shape 177"/>
         <p:cNvGrpSpPr/>
         <p:nvPr/>
@@ -14965,7 +15692,7 @@
               <a:buNone/>
             </a:pPr>
             <a:r>
-              <a:rPr lang="en-US" sz="5400">
+              <a:rPr lang="en-US" sz="5400" dirty="0">
                 <a:solidFill>
                   <a:schemeClr val="dk1"/>
                 </a:solidFill>
@@ -14974,9 +15701,9 @@
                 <a:cs typeface="Economica"/>
                 <a:sym typeface="Economica"/>
               </a:rPr>
-              <a:t>Attention Layers</a:t>
+              <a:t>General Attention</a:t>
             </a:r>
-            <a:endParaRPr/>
+            <a:endParaRPr dirty="0"/>
           </a:p>
         </p:txBody>
       </p:sp>
@@ -14988,8 +15715,8 @@
         </p:nvSpPr>
         <p:spPr>
           <a:xfrm>
-            <a:off x="772620" y="1992502"/>
-            <a:ext cx="10093751" cy="4401205"/>
+            <a:off x="772619" y="1992502"/>
+            <a:ext cx="10915797" cy="3908722"/>
           </a:xfrm>
           <a:prstGeom prst="rect">
             <a:avLst/>
@@ -15015,7 +15742,7 @@
               <a:buNone/>
             </a:pPr>
             <a:r>
-              <a:rPr lang="en-US" sz="2000" b="1">
+              <a:rPr lang="en-US" sz="2000" b="1" dirty="0">
                 <a:solidFill>
                   <a:schemeClr val="dk1"/>
                 </a:solidFill>
@@ -15024,9 +15751,9 @@
                 <a:cs typeface="Quicksand"/>
                 <a:sym typeface="Quicksand"/>
               </a:rPr>
-              <a:t>Drawback of LSTM: Tries to Memorize Everything!</a:t>
+              <a:t>Provide the Network with a Way to Learn Where it Should Focus</a:t>
             </a:r>
-            <a:endParaRPr/>
+            <a:endParaRPr dirty="0"/>
           </a:p>
           <a:p>
             <a:pPr marL="342900" marR="0" lvl="0" indent="-215900" algn="l" rtl="0">
@@ -15043,7 +15770,7 @@
               <a:buFont typeface="Arial"/>
               <a:buNone/>
             </a:pPr>
-            <a:endParaRPr sz="2000">
+            <a:endParaRPr sz="2000" dirty="0">
               <a:solidFill>
                 <a:schemeClr val="dk1"/>
               </a:solidFill>
@@ -15069,7 +15796,7 @@
               <a:buChar char="•"/>
             </a:pPr>
             <a:r>
-              <a:rPr lang="en-US" sz="2000">
+              <a:rPr lang="en-US" sz="2000" dirty="0">
                 <a:solidFill>
                   <a:schemeClr val="dk1"/>
                 </a:solidFill>
@@ -15078,10 +15805,114 @@
                 <a:cs typeface="Quicksand"/>
                 <a:sym typeface="Quicksand"/>
               </a:rPr>
-              <a:t>BUT: some pieces of a sequence are more </a:t>
+              <a:t>Rather than having the network assume equal relevance across all inputs it encounters, we can let it learn to focus on different segments of the input.</a:t>
+            </a:r>
+          </a:p>
+          <a:p>
+            <a:pPr marL="342900" marR="0" lvl="0" indent="-342900" algn="l" rtl="0">
+              <a:spcBef>
+                <a:spcPts val="0"/>
+              </a:spcBef>
+              <a:spcAft>
+                <a:spcPts val="0"/>
+              </a:spcAft>
+              <a:buClr>
+                <a:schemeClr val="dk1"/>
+              </a:buClr>
+              <a:buSzPts val="2000"/>
+              <a:buFont typeface="Arial"/>
+              <a:buChar char="•"/>
+            </a:pPr>
+            <a:endParaRPr lang="en-US" sz="2000" dirty="0">
+              <a:solidFill>
+                <a:schemeClr val="dk1"/>
+              </a:solidFill>
+              <a:latin typeface="Quicksand"/>
+              <a:sym typeface="Quicksand"/>
+            </a:endParaRPr>
+          </a:p>
+          <a:p>
+            <a:pPr>
+              <a:buClr>
+                <a:schemeClr val="dk1"/>
+              </a:buClr>
+              <a:buSzPts val="2000"/>
+            </a:pPr>
+            <a:r>
+              <a:rPr lang="en-US" sz="2000" b="1" dirty="0">
+                <a:solidFill>
+                  <a:schemeClr val="dk1"/>
+                </a:solidFill>
+                <a:latin typeface="Quicksand"/>
+                <a:ea typeface="Quicksand"/>
+                <a:cs typeface="Quicksand"/>
+                <a:sym typeface="Quicksand"/>
+              </a:rPr>
+              <a:t>These ideas apply to inputs that have any sort of structural relation between elements</a:t>
+            </a:r>
+          </a:p>
+          <a:p>
+            <a:pPr>
+              <a:buClr>
+                <a:schemeClr val="dk1"/>
+              </a:buClr>
+              <a:buSzPts val="2000"/>
+            </a:pPr>
+            <a:endParaRPr lang="en-US" sz="1400" dirty="0">
+              <a:solidFill>
+                <a:schemeClr val="dk1"/>
+              </a:solidFill>
+              <a:latin typeface="Quicksand"/>
+              <a:ea typeface="Quicksand"/>
+              <a:cs typeface="Quicksand"/>
+              <a:sym typeface="Quicksand"/>
+            </a:endParaRPr>
+          </a:p>
+          <a:p>
+            <a:pPr marL="285750" indent="-285750">
+              <a:buClr>
+                <a:schemeClr val="dk1"/>
+              </a:buClr>
+              <a:buSzPts val="2000"/>
+              <a:buFont typeface="Arial" panose="020B0604020202020204" pitchFamily="34" charset="0"/>
+              <a:buChar char="•"/>
+            </a:pPr>
+            <a:r>
+              <a:rPr lang="en-US" sz="2000" dirty="0">
+                <a:solidFill>
+                  <a:schemeClr val="dk1"/>
+                </a:solidFill>
+                <a:latin typeface="Quicksand"/>
+                <a:ea typeface="Quicksand"/>
+                <a:cs typeface="Quicksand"/>
+                <a:sym typeface="Quicksand"/>
+              </a:rPr>
+              <a:t>In the case of CNNs, we might let our network learn to focus its attention on certain segments of a photo based on the features / values it encounters in said segments. </a:t>
+            </a:r>
+          </a:p>
+          <a:p>
+            <a:pPr marL="285750" indent="-285750">
+              <a:buClr>
+                <a:schemeClr val="dk1"/>
+              </a:buClr>
+              <a:buSzPts val="2000"/>
+              <a:buFont typeface="Arial" panose="020B0604020202020204" pitchFamily="34" charset="0"/>
+              <a:buChar char="•"/>
+            </a:pPr>
+            <a:r>
+              <a:rPr lang="en-US" sz="2000" dirty="0">
+                <a:solidFill>
+                  <a:schemeClr val="dk1"/>
+                </a:solidFill>
+                <a:latin typeface="Quicksand"/>
+                <a:ea typeface="Quicksand"/>
+                <a:cs typeface="Quicksand"/>
+                <a:sym typeface="Quicksand"/>
+              </a:rPr>
+              <a:t>In the case of RNNs, we might let our network </a:t>
             </a:r>
             <a:br>
-              <a:rPr lang="en-US" sz="2000">
+              <a:rPr lang="en-US" sz="2000" dirty="0">
                 <a:solidFill>
                   <a:schemeClr val="dk1"/>
                 </a:solidFill>
@@ -15092,7 +15923,7 @@
               </a:rPr>
             </a:br>
             <a:r>
-              <a:rPr lang="en-US" sz="2000">
+              <a:rPr lang="en-US" sz="2000" dirty="0">
                 <a:solidFill>
                   <a:schemeClr val="dk1"/>
                 </a:solidFill>
@@ -15101,10 +15932,10 @@
                 <a:cs typeface="Quicksand"/>
                 <a:sym typeface="Quicksand"/>
               </a:rPr>
-              <a:t>important than others for understanding </a:t>
+              <a:t>learn to focus its attention on certain tokens in </a:t>
             </a:r>
             <a:br>
-              <a:rPr lang="en-US" sz="2000">
+              <a:rPr lang="en-US" sz="2000" dirty="0">
                 <a:solidFill>
                   <a:schemeClr val="dk1"/>
                 </a:solidFill>
@@ -15115,7 +15946,7 @@
               </a:rPr>
             </a:br>
             <a:r>
-              <a:rPr lang="en-US" sz="2000">
+              <a:rPr lang="en-US" sz="2000" dirty="0">
                 <a:solidFill>
                   <a:schemeClr val="dk1"/>
                 </a:solidFill>
@@ -15124,9 +15955,189 @@
                 <a:cs typeface="Quicksand"/>
                 <a:sym typeface="Quicksand"/>
               </a:rPr>
-              <a:t>values at a particular position. </a:t>
+              <a:t>a string base (e.g., important words or sounds). </a:t>
             </a:r>
-            <a:endParaRPr/>
+          </a:p>
+          <a:p>
+            <a:pPr>
+              <a:buClr>
+                <a:schemeClr val="dk1"/>
+              </a:buClr>
+              <a:buSzPts val="2000"/>
+            </a:pPr>
+            <a:endParaRPr dirty="0"/>
+          </a:p>
+        </p:txBody>
+      </p:sp>
+      <p:pic>
+        <p:nvPicPr>
+          <p:cNvPr id="1028" name="Picture 4">
+            <a:extLst>
+              <a:ext uri="{FF2B5EF4-FFF2-40B4-BE49-F238E27FC236}">
+                <a16:creationId xmlns:a16="http://schemas.microsoft.com/office/drawing/2014/main" id="{623C2209-CB58-9681-11F9-4B794958DFAD}"/>
+              </a:ext>
+            </a:extLst>
+          </p:cNvPr>
+          <p:cNvPicPr>
+            <a:picLocks noChangeAspect="1" noChangeArrowheads="1"/>
+          </p:cNvPicPr>
+          <p:nvPr/>
+        </p:nvPicPr>
+        <p:blipFill>
+          <a:blip r:embed="rId3">
+            <a:extLst>
+              <a:ext uri="{28A0092B-C50C-407E-A947-70E740481C1C}">
+                <a14:useLocalDpi xmlns:a14="http://schemas.microsoft.com/office/drawing/2010/main" val="0"/>
+              </a:ext>
+            </a:extLst>
+          </a:blip>
+          <a:srcRect/>
+          <a:stretch>
+            <a:fillRect/>
+          </a:stretch>
+        </p:blipFill>
+        <p:spPr bwMode="auto">
+          <a:xfrm>
+            <a:off x="7107495" y="4976297"/>
+            <a:ext cx="4580921" cy="1662219"/>
+          </a:xfrm>
+          <a:prstGeom prst="rect">
+            <a:avLst/>
+          </a:prstGeom>
+          <a:noFill/>
+          <a:extLst>
+            <a:ext uri="{909E8E84-426E-40DD-AFC4-6F175D3DCCD1}">
+              <a14:hiddenFill xmlns:a14="http://schemas.microsoft.com/office/drawing/2010/main">
+                <a:solidFill>
+                  <a:srgbClr val="FFFFFF"/>
+                </a:solidFill>
+              </a14:hiddenFill>
+            </a:ext>
+          </a:extLst>
+        </p:spPr>
+      </p:pic>
+    </p:spTree>
+  </p:cSld>
+  <p:clrMapOvr>
+    <a:masterClrMapping/>
+  </p:clrMapOvr>
+</p:sld>
+</file>
+
+<file path=ppt/slides/slide14.xml><?xml version="1.0" encoding="utf-8"?>
+<p:sld xmlns:a="http://schemas.openxmlformats.org/drawingml/2006/main" xmlns:r="http://schemas.openxmlformats.org/officeDocument/2006/relationships" xmlns:p="http://schemas.openxmlformats.org/presentationml/2006/main">
+  <p:cSld>
+    <p:spTree>
+      <p:nvGrpSpPr>
+        <p:cNvPr id="1" name="Shape 177"/>
+        <p:cNvGrpSpPr/>
+        <p:nvPr/>
+      </p:nvGrpSpPr>
+      <p:grpSpPr>
+        <a:xfrm>
+          <a:off x="0" y="0"/>
+          <a:ext cx="0" cy="0"/>
+          <a:chOff x="0" y="0"/>
+          <a:chExt cx="0" cy="0"/>
+        </a:xfrm>
+      </p:grpSpPr>
+      <p:sp>
+        <p:nvSpPr>
+          <p:cNvPr id="178" name="Google Shape;178;p14"/>
+          <p:cNvSpPr txBox="1"/>
+          <p:nvPr/>
+        </p:nvSpPr>
+        <p:spPr>
+          <a:xfrm>
+            <a:off x="1325629" y="639657"/>
+            <a:ext cx="9540742" cy="923330"/>
+          </a:xfrm>
+          <a:prstGeom prst="rect">
+            <a:avLst/>
+          </a:prstGeom>
+          <a:noFill/>
+          <a:ln>
+            <a:noFill/>
+          </a:ln>
+        </p:spPr>
+        <p:txBody>
+          <a:bodyPr spcFirstLastPara="1" wrap="square" lIns="91425" tIns="45700" rIns="91425" bIns="45700" anchor="t" anchorCtr="0">
+            <a:spAutoFit/>
+          </a:bodyPr>
+          <a:lstStyle/>
+          <a:p>
+            <a:pPr marL="0" marR="0" lvl="0" indent="0" algn="ctr" rtl="0">
+              <a:spcBef>
+                <a:spcPts val="0"/>
+              </a:spcBef>
+              <a:spcAft>
+                <a:spcPts val="0"/>
+              </a:spcAft>
+              <a:buNone/>
+            </a:pPr>
+            <a:r>
+              <a:rPr lang="en-US" sz="5400" dirty="0">
+                <a:solidFill>
+                  <a:schemeClr val="dk1"/>
+                </a:solidFill>
+                <a:latin typeface="Economica"/>
+                <a:ea typeface="Economica"/>
+                <a:cs typeface="Economica"/>
+                <a:sym typeface="Economica"/>
+              </a:rPr>
+              <a:t>Self-Attention</a:t>
+            </a:r>
+            <a:endParaRPr dirty="0"/>
+          </a:p>
+        </p:txBody>
+      </p:sp>
+      <p:sp>
+        <p:nvSpPr>
+          <p:cNvPr id="179" name="Google Shape;179;p14"/>
+          <p:cNvSpPr txBox="1"/>
+          <p:nvPr/>
+        </p:nvSpPr>
+        <p:spPr>
+          <a:xfrm>
+            <a:off x="772620" y="1992502"/>
+            <a:ext cx="10093751" cy="3785611"/>
+          </a:xfrm>
+          <a:prstGeom prst="rect">
+            <a:avLst/>
+          </a:prstGeom>
+          <a:noFill/>
+          <a:ln>
+            <a:noFill/>
+          </a:ln>
+        </p:spPr>
+        <p:txBody>
+          <a:bodyPr spcFirstLastPara="1" wrap="square" lIns="91425" tIns="45700" rIns="91425" bIns="45700" anchor="t" anchorCtr="0">
+            <a:spAutoFit/>
+          </a:bodyPr>
+          <a:lstStyle/>
+          <a:p>
+            <a:pPr marL="0" marR="0" lvl="0" indent="0" algn="l" rtl="0">
+              <a:spcBef>
+                <a:spcPts val="0"/>
+              </a:spcBef>
+              <a:spcAft>
+                <a:spcPts val="0"/>
+              </a:spcAft>
+              <a:buNone/>
+            </a:pPr>
+            <a:r>
+              <a:rPr lang="en-US" sz="2000" b="1" dirty="0">
+                <a:solidFill>
+                  <a:schemeClr val="dk1"/>
+                </a:solidFill>
+                <a:latin typeface="Quicksand"/>
+                <a:ea typeface="Quicksand"/>
+                <a:cs typeface="Quicksand"/>
+                <a:sym typeface="Quicksand"/>
+              </a:rPr>
+              <a:t>We Can Also Enable Broader Contextual Consideration</a:t>
+            </a:r>
+            <a:endParaRPr dirty="0"/>
           </a:p>
           <a:p>
             <a:pPr marL="342900" marR="0" lvl="0" indent="-215900" algn="l" rtl="0">
@@ -15143,7 +16154,7 @@
               <a:buFont typeface="Arial"/>
               <a:buNone/>
             </a:pPr>
-            <a:endParaRPr sz="2000">
+            <a:endParaRPr sz="2000" dirty="0">
               <a:solidFill>
                 <a:schemeClr val="dk1"/>
               </a:solidFill>
@@ -15169,7 +16180,7 @@
               <a:buChar char="•"/>
             </a:pPr>
             <a:r>
-              <a:rPr lang="en-US" sz="2000">
+              <a:rPr lang="en-US" sz="2000" dirty="0">
                 <a:solidFill>
                   <a:schemeClr val="dk1"/>
                 </a:solidFill>
@@ -15178,10 +16189,10 @@
                 <a:cs typeface="Quicksand"/>
                 <a:sym typeface="Quicksand"/>
               </a:rPr>
-              <a:t>Self-attention Layer: a dense layer that </a:t>
+              <a:t>Self-attention allows the network to </a:t>
             </a:r>
             <a:br>
-              <a:rPr lang="en-US" sz="2000">
+              <a:rPr lang="en-US" sz="2000" dirty="0">
                 <a:solidFill>
                   <a:schemeClr val="dk1"/>
                 </a:solidFill>
@@ -15192,7 +16203,7 @@
               </a:rPr>
             </a:br>
             <a:r>
-              <a:rPr lang="en-US" sz="2000">
+              <a:rPr lang="en-US" sz="2000" dirty="0">
                 <a:solidFill>
                   <a:schemeClr val="dk1"/>
                 </a:solidFill>
@@ -15201,10 +16212,10 @@
                 <a:cs typeface="Quicksand"/>
                 <a:sym typeface="Quicksand"/>
               </a:rPr>
-              <a:t>takes sequences of values as input and </a:t>
+              <a:t>evaluate the importance of an input element</a:t>
             </a:r>
             <a:br>
-              <a:rPr lang="en-US" sz="2000">
+              <a:rPr lang="en-US" sz="2000" dirty="0">
                 <a:solidFill>
                   <a:schemeClr val="dk1"/>
                 </a:solidFill>
@@ -15215,7 +16226,7 @@
               </a:rPr>
             </a:br>
             <a:r>
-              <a:rPr lang="en-US" sz="2000">
+              <a:rPr lang="en-US" sz="2000" dirty="0">
                 <a:solidFill>
                   <a:schemeClr val="dk1"/>
                 </a:solidFill>
@@ -15224,10 +16235,10 @@
                 <a:cs typeface="Quicksand"/>
                 <a:sym typeface="Quicksand"/>
               </a:rPr>
-              <a:t>implements some mechanism to figure</a:t>
+              <a:t>(e.g., token) based on that that element’s </a:t>
             </a:r>
             <a:br>
-              <a:rPr lang="en-US" sz="2000">
+              <a:rPr lang="en-US" sz="2000" dirty="0">
                 <a:solidFill>
                   <a:schemeClr val="dk1"/>
                 </a:solidFill>
@@ -15238,7 +16249,7 @@
               </a:rPr>
             </a:br>
             <a:r>
-              <a:rPr lang="en-US" sz="2000">
+              <a:rPr lang="en-US" sz="2000" dirty="0">
                 <a:solidFill>
                   <a:schemeClr val="dk1"/>
                 </a:solidFill>
@@ -15247,10 +16258,22 @@
                 <a:cs typeface="Quicksand"/>
                 <a:sym typeface="Quicksand"/>
               </a:rPr>
-              <a:t>out weights that can be used to</a:t>
+              <a:t>value </a:t>
+            </a:r>
+            <a:r>
+              <a:rPr lang="en-US" sz="2000" i="1" dirty="0">
+                <a:solidFill>
+                  <a:schemeClr val="dk1"/>
+                </a:solidFill>
+                <a:latin typeface="Quicksand"/>
+                <a:ea typeface="Quicksand"/>
+                <a:cs typeface="Quicksand"/>
+                <a:sym typeface="Quicksand"/>
+              </a:rPr>
+              <a:t>and all the other element values.</a:t>
             </a:r>
             <a:br>
-              <a:rPr lang="en-US" sz="2000">
+              <a:rPr lang="en-US" sz="2000" dirty="0">
                 <a:solidFill>
                   <a:schemeClr val="dk1"/>
                 </a:solidFill>
@@ -15260,36 +16283,7 @@
                 <a:sym typeface="Quicksand"/>
               </a:rPr>
             </a:br>
-            <a:r>
-              <a:rPr lang="en-US" sz="2000">
-                <a:solidFill>
-                  <a:schemeClr val="dk1"/>
-                </a:solidFill>
-                <a:latin typeface="Quicksand"/>
-                <a:ea typeface="Quicksand"/>
-                <a:cs typeface="Quicksand"/>
-                <a:sym typeface="Quicksand"/>
-              </a:rPr>
-              <a:t>amplify or attenuate sequence elements.</a:t>
-            </a:r>
-            <a:endParaRPr/>
-          </a:p>
-          <a:p>
-            <a:pPr marL="342900" marR="0" lvl="0" indent="-215900" algn="l" rtl="0">
-              <a:spcBef>
-                <a:spcPts val="0"/>
-              </a:spcBef>
-              <a:spcAft>
-                <a:spcPts val="0"/>
-              </a:spcAft>
-              <a:buClr>
-                <a:schemeClr val="dk1"/>
-              </a:buClr>
-              <a:buSzPts val="2000"/>
-              <a:buFont typeface="Arial"/>
-              <a:buNone/>
-            </a:pPr>
-            <a:endParaRPr sz="2000">
+            <a:endParaRPr sz="2000" dirty="0">
               <a:solidFill>
                 <a:schemeClr val="dk1"/>
               </a:solidFill>
@@ -15315,7 +16309,7 @@
               <a:buChar char="•"/>
             </a:pPr>
             <a:r>
-              <a:rPr lang="en-US" sz="2000">
+              <a:rPr lang="en-US" sz="2000" dirty="0">
                 <a:solidFill>
                   <a:schemeClr val="dk1"/>
                 </a:solidFill>
@@ -15327,7 +16321,7 @@
               <a:t>Basically, it gives the network a way to</a:t>
             </a:r>
             <a:br>
-              <a:rPr lang="en-US" sz="2000">
+              <a:rPr lang="en-US" sz="2000" dirty="0">
                 <a:solidFill>
                   <a:schemeClr val="dk1"/>
                 </a:solidFill>
@@ -15338,7 +16332,7 @@
               </a:rPr>
             </a:br>
             <a:r>
-              <a:rPr lang="en-US" sz="2000">
+              <a:rPr lang="en-US" sz="2000" dirty="0">
                 <a:solidFill>
                   <a:schemeClr val="dk1"/>
                 </a:solidFill>
@@ -15347,9 +16341,78 @@
                 <a:cs typeface="Quicksand"/>
                 <a:sym typeface="Quicksand"/>
               </a:rPr>
-              <a:t>shift focus to certain items that are useful </a:t>
+              <a:t>shift focus to certain items that are useful,</a:t>
             </a:r>
-            <a:endParaRPr/>
+            <a:br>
+              <a:rPr lang="en-US" sz="2000" dirty="0">
+                <a:solidFill>
+                  <a:schemeClr val="dk1"/>
+                </a:solidFill>
+                <a:latin typeface="Quicksand"/>
+                <a:ea typeface="Quicksand"/>
+                <a:cs typeface="Quicksand"/>
+                <a:sym typeface="Quicksand"/>
+              </a:rPr>
+            </a:br>
+            <a:r>
+              <a:rPr lang="en-US" sz="2000" dirty="0">
+                <a:solidFill>
+                  <a:schemeClr val="dk1"/>
+                </a:solidFill>
+                <a:latin typeface="Quicksand"/>
+                <a:ea typeface="Quicksand"/>
+                <a:cs typeface="Quicksand"/>
+                <a:sym typeface="Quicksand"/>
+              </a:rPr>
+              <a:t>considering informational connections</a:t>
+            </a:r>
+            <a:br>
+              <a:rPr lang="en-US" sz="2000" dirty="0">
+                <a:solidFill>
+                  <a:schemeClr val="dk1"/>
+                </a:solidFill>
+                <a:latin typeface="Quicksand"/>
+                <a:ea typeface="Quicksand"/>
+                <a:cs typeface="Quicksand"/>
+                <a:sym typeface="Quicksand"/>
+              </a:rPr>
+            </a:br>
+            <a:r>
+              <a:rPr lang="en-US" sz="2000" dirty="0">
+                <a:solidFill>
+                  <a:schemeClr val="dk1"/>
+                </a:solidFill>
+                <a:latin typeface="Quicksand"/>
+                <a:ea typeface="Quicksand"/>
+                <a:cs typeface="Quicksand"/>
+                <a:sym typeface="Quicksand"/>
+              </a:rPr>
+              <a:t>that may be very distant in the input</a:t>
+            </a:r>
+            <a:br>
+              <a:rPr lang="en-US" sz="2000" dirty="0">
+                <a:solidFill>
+                  <a:schemeClr val="dk1"/>
+                </a:solidFill>
+                <a:latin typeface="Quicksand"/>
+                <a:ea typeface="Quicksand"/>
+                <a:cs typeface="Quicksand"/>
+                <a:sym typeface="Quicksand"/>
+              </a:rPr>
+            </a:br>
+            <a:r>
+              <a:rPr lang="en-US" sz="2000" dirty="0">
+                <a:solidFill>
+                  <a:schemeClr val="dk1"/>
+                </a:solidFill>
+                <a:latin typeface="Quicksand"/>
+                <a:ea typeface="Quicksand"/>
+                <a:cs typeface="Quicksand"/>
+                <a:sym typeface="Quicksand"/>
+              </a:rPr>
+              <a:t>sequence or image.</a:t>
+            </a:r>
+            <a:endParaRPr dirty="0"/>
           </a:p>
         </p:txBody>
       </p:sp>
@@ -15368,7 +16431,7 @@
         </p:blipFill>
         <p:spPr>
           <a:xfrm>
-            <a:off x="6583675" y="2763526"/>
+            <a:off x="6770568" y="2729763"/>
             <a:ext cx="5255376" cy="3630175"/>
           </a:xfrm>
           <a:prstGeom prst="rect">
@@ -15408,6 +16471,11 @@
         </p:spPr>
       </p:pic>
     </p:spTree>
+    <p:extLst>
+      <p:ext uri="{BB962C8B-B14F-4D97-AF65-F5344CB8AC3E}">
+        <p14:creationId xmlns:p14="http://schemas.microsoft.com/office/powerpoint/2010/main" val="1960442622"/>
+      </p:ext>
+    </p:extLst>
   </p:cSld>
   <p:clrMapOvr>
     <a:masterClrMapping/>
@@ -15415,7 +16483,7 @@
 </p:sld>
 </file>
 
-<file path=ppt/slides/slide13.xml><?xml version="1.0" encoding="utf-8"?>
+<file path=ppt/slides/slide15.xml><?xml version="1.0" encoding="utf-8"?>
 <p:sld xmlns:a="http://schemas.openxmlformats.org/drawingml/2006/main" xmlns:r="http://schemas.openxmlformats.org/officeDocument/2006/relationships" xmlns:p="http://schemas.openxmlformats.org/presentationml/2006/main">
   <p:cSld>
     <p:spTree>
@@ -15517,7 +16585,7 @@
 </p:sld>
 </file>
 
-<file path=ppt/slides/slide14.xml><?xml version="1.0" encoding="utf-8"?>
+<file path=ppt/slides/slide16.xml><?xml version="1.0" encoding="utf-8"?>
 <p:sld xmlns:a="http://schemas.openxmlformats.org/drawingml/2006/main" xmlns:r="http://schemas.openxmlformats.org/officeDocument/2006/relationships" xmlns:p="http://schemas.openxmlformats.org/presentationml/2006/main">
   <p:cSld>
     <p:spTree>
@@ -15980,7 +17048,7 @@
 </p:sld>
 </file>
 
-<file path=ppt/slides/slide15.xml><?xml version="1.0" encoding="utf-8"?>
+<file path=ppt/slides/slide17.xml><?xml version="1.0" encoding="utf-8"?>
 <p:sld xmlns:a="http://schemas.openxmlformats.org/drawingml/2006/main" xmlns:r="http://schemas.openxmlformats.org/officeDocument/2006/relationships" xmlns:p="http://schemas.openxmlformats.org/presentationml/2006/main">
   <p:cSld>
     <p:spTree>
@@ -16215,7 +17283,7 @@
 </p:sld>
 </file>
 
-<file path=ppt/slides/slide16.xml><?xml version="1.0" encoding="utf-8"?>
+<file path=ppt/slides/slide18.xml><?xml version="1.0" encoding="utf-8"?>
 <p:sld xmlns:a="http://schemas.openxmlformats.org/drawingml/2006/main" xmlns:r="http://schemas.openxmlformats.org/officeDocument/2006/relationships" xmlns:p="http://schemas.openxmlformats.org/presentationml/2006/main">
   <p:cSld>
     <p:spTree>
@@ -16508,7 +17576,7 @@
 </p:sld>
 </file>
 
-<file path=ppt/slides/slide17.xml><?xml version="1.0" encoding="utf-8"?>
+<file path=ppt/slides/slide19.xml><?xml version="1.0" encoding="utf-8"?>
 <p:sld xmlns:a="http://schemas.openxmlformats.org/drawingml/2006/main" xmlns:r="http://schemas.openxmlformats.org/officeDocument/2006/relationships" xmlns:p="http://schemas.openxmlformats.org/presentationml/2006/main">
   <p:cSld>
     <p:spTree>
@@ -17121,7 +18189,7 @@
               <a:buNone/>
             </a:pPr>
             <a:r>
-              <a:rPr lang="en-US" sz="5400">
+              <a:rPr lang="en-US" sz="5400" dirty="0">
                 <a:solidFill>
                   <a:schemeClr val="dk1"/>
                 </a:solidFill>
@@ -17132,7 +18200,7 @@
               </a:rPr>
               <a:t>Quick Review of NLP Concepts</a:t>
             </a:r>
-            <a:endParaRPr/>
+            <a:endParaRPr dirty="0"/>
           </a:p>
         </p:txBody>
       </p:sp>
@@ -17145,7 +18213,7 @@
         <p:spPr>
           <a:xfrm>
             <a:off x="1025803" y="1819294"/>
-            <a:ext cx="9438997" cy="1508105"/>
+            <a:ext cx="9438997" cy="1785064"/>
           </a:xfrm>
           <a:prstGeom prst="rect">
             <a:avLst/>
@@ -17171,7 +18239,7 @@
               <a:buNone/>
             </a:pPr>
             <a:r>
-              <a:rPr lang="en-US" sz="2000" b="1">
+              <a:rPr lang="en-US" sz="2000" b="1" dirty="0">
                 <a:solidFill>
                   <a:schemeClr val="dk1"/>
                 </a:solidFill>
@@ -17182,7 +18250,7 @@
               </a:rPr>
               <a:t>Pre-processing Text</a:t>
             </a:r>
-            <a:endParaRPr/>
+            <a:endParaRPr dirty="0"/>
           </a:p>
           <a:p>
             <a:pPr marL="285750" marR="0" lvl="0" indent="-285750" algn="l" rtl="0">
@@ -17200,7 +18268,7 @@
               <a:buChar char="•"/>
             </a:pPr>
             <a:r>
-              <a:rPr lang="en-US" sz="1800">
+              <a:rPr lang="en-US" sz="1800" dirty="0">
                 <a:solidFill>
                   <a:schemeClr val="dk1"/>
                 </a:solidFill>
@@ -17209,9 +18277,8 @@
                 <a:cs typeface="Calibri"/>
                 <a:sym typeface="Calibri"/>
               </a:rPr>
-              <a:t>Standardization, stop words, stemming, tokenization (words), n-grams.</a:t>
+              <a:t>Lower-casing, stop word removal, stemming, removing punctuation, stripping rare tokens, etc.</a:t>
             </a:r>
-            <a:endParaRPr/>
           </a:p>
           <a:p>
             <a:pPr marL="285750" marR="0" lvl="0" indent="-285750" algn="l" rtl="0">
@@ -17229,7 +18296,7 @@
               <a:buChar char="•"/>
             </a:pPr>
             <a:r>
-              <a:rPr lang="en-US" sz="1800">
+              <a:rPr lang="en-US" sz="1800" dirty="0">
                 <a:solidFill>
                   <a:schemeClr val="dk1"/>
                 </a:solidFill>
@@ -17238,9 +18305,9 @@
                 <a:cs typeface="Calibri"/>
                 <a:sym typeface="Calibri"/>
               </a:rPr>
-              <a:t>One-hot-encoding / vectorization.</a:t>
+              <a:t>Tokenization (this may be chars, words, sentences, etc.</a:t>
             </a:r>
-            <a:endParaRPr/>
+            <a:endParaRPr sz="1800" dirty="0"/>
           </a:p>
           <a:p>
             <a:pPr marL="285750" marR="0" lvl="0" indent="-285750" algn="l" rtl="0">
@@ -17258,7 +18325,7 @@
               <a:buChar char="•"/>
             </a:pPr>
             <a:r>
-              <a:rPr lang="en-US" sz="1800">
+              <a:rPr lang="en-US" sz="1800" dirty="0">
                 <a:solidFill>
                   <a:schemeClr val="dk1"/>
                 </a:solidFill>
@@ -17267,9 +18334,8 @@
                 <a:cs typeface="Calibri"/>
                 <a:sym typeface="Calibri"/>
               </a:rPr>
-              <a:t>Final state is often a Term-Frequency Matrix </a:t>
+              <a:t>Integer encoding / indexing the tokens. </a:t>
             </a:r>
-            <a:endParaRPr/>
           </a:p>
           <a:p>
             <a:pPr marL="285750" marR="0" lvl="0" indent="-285750" algn="l" rtl="0">
@@ -17287,26 +18353,44 @@
               <a:buChar char="•"/>
             </a:pPr>
             <a:r>
-              <a:rPr lang="en-US" sz="1800" i="1">
+              <a:rPr lang="en-US" sz="1800" dirty="0">
                 <a:solidFill>
                   <a:schemeClr val="dk1"/>
                 </a:solidFill>
                 <a:latin typeface="Calibri"/>
-                <a:ea typeface="Calibri"/>
                 <a:cs typeface="Calibri"/>
                 <a:sym typeface="Calibri"/>
               </a:rPr>
-              <a:t>Q: why is this called a bag-of-words approach?</a:t>
+              <a:t>Finally, I may or may not leverage sequence information.</a:t>
             </a:r>
-            <a:endParaRPr sz="1800">
-              <a:solidFill>
+          </a:p>
+          <a:p>
+            <a:pPr marL="285750" marR="0" lvl="0" indent="-285750" algn="l" rtl="0">
+              <a:spcBef>
+                <a:spcPts val="0"/>
+              </a:spcBef>
+              <a:spcAft>
+                <a:spcPts val="0"/>
+              </a:spcAft>
+              <a:buClr>
                 <a:schemeClr val="dk1"/>
-              </a:solidFill>
-              <a:latin typeface="Calibri"/>
-              <a:ea typeface="Calibri"/>
-              <a:cs typeface="Calibri"/>
-              <a:sym typeface="Calibri"/>
-            </a:endParaRPr>
+              </a:buClr>
+              <a:buSzPts val="1800"/>
+              <a:buFont typeface="Arial"/>
+              <a:buChar char="•"/>
+            </a:pPr>
+            <a:r>
+              <a:rPr lang="en-US" sz="1800" i="1" dirty="0">
+                <a:solidFill>
+                  <a:schemeClr val="dk1"/>
+                </a:solidFill>
+                <a:latin typeface="Calibri"/>
+                <a:cs typeface="Calibri"/>
+                <a:sym typeface="Calibri"/>
+              </a:rPr>
+              <a:t>Q: what is a bag of words approach? What are n-grams?</a:t>
+            </a:r>
+            <a:endParaRPr i="1" dirty="0"/>
           </a:p>
         </p:txBody>
       </p:sp>
@@ -23642,239 +24726,6 @@
   <p:cSld>
     <p:spTree>
       <p:nvGrpSpPr>
-        <p:cNvPr id="1" name="Shape 129"/>
-        <p:cNvGrpSpPr/>
-        <p:nvPr/>
-      </p:nvGrpSpPr>
-      <p:grpSpPr>
-        <a:xfrm>
-          <a:off x="0" y="0"/>
-          <a:ext cx="0" cy="0"/>
-          <a:chOff x="0" y="0"/>
-          <a:chExt cx="0" cy="0"/>
-        </a:xfrm>
-      </p:grpSpPr>
-      <p:sp>
-        <p:nvSpPr>
-          <p:cNvPr id="130" name="Google Shape;130;p6"/>
-          <p:cNvSpPr txBox="1">
-            <a:spLocks noGrp="1"/>
-          </p:cNvSpPr>
-          <p:nvPr>
-            <p:ph type="title"/>
-          </p:nvPr>
-        </p:nvSpPr>
-        <p:spPr>
-          <a:xfrm>
-            <a:off x="838200" y="376414"/>
-            <a:ext cx="10515600" cy="1325563"/>
-          </a:xfrm>
-          <a:prstGeom prst="rect">
-            <a:avLst/>
-          </a:prstGeom>
-          <a:noFill/>
-          <a:ln>
-            <a:noFill/>
-          </a:ln>
-        </p:spPr>
-        <p:txBody>
-          <a:bodyPr spcFirstLastPara="1" wrap="square" lIns="91425" tIns="45700" rIns="91425" bIns="45700" anchor="ctr" anchorCtr="0">
-            <a:normAutofit/>
-          </a:bodyPr>
-          <a:lstStyle/>
-          <a:p>
-            <a:pPr marL="0" lvl="0" indent="0" algn="ctr" rtl="0">
-              <a:lnSpc>
-                <a:spcPct val="90000"/>
-              </a:lnSpc>
-              <a:spcBef>
-                <a:spcPts val="0"/>
-              </a:spcBef>
-              <a:spcAft>
-                <a:spcPts val="0"/>
-              </a:spcAft>
-              <a:buClr>
-                <a:schemeClr val="dk1"/>
-              </a:buClr>
-              <a:buSzPts val="4923"/>
-              <a:buFont typeface="Economica"/>
-              <a:buNone/>
-            </a:pPr>
-            <a:r>
-              <a:rPr lang="en-US" sz="4923">
-                <a:latin typeface="Economica"/>
-                <a:ea typeface="Economica"/>
-                <a:cs typeface="Economica"/>
-                <a:sym typeface="Economica"/>
-              </a:rPr>
-              <a:t>Sequence vs. Bag-of-Words</a:t>
-            </a:r>
-            <a:endParaRPr/>
-          </a:p>
-        </p:txBody>
-      </p:sp>
-      <p:sp>
-        <p:nvSpPr>
-          <p:cNvPr id="131" name="Google Shape;131;p6"/>
-          <p:cNvSpPr txBox="1">
-            <a:spLocks noGrp="1"/>
-          </p:cNvSpPr>
-          <p:nvPr>
-            <p:ph type="body" idx="1"/>
-          </p:nvPr>
-        </p:nvSpPr>
-        <p:spPr>
-          <a:xfrm>
-            <a:off x="838200" y="1825625"/>
-            <a:ext cx="10515600" cy="4351338"/>
-          </a:xfrm>
-          <a:prstGeom prst="rect">
-            <a:avLst/>
-          </a:prstGeom>
-          <a:noFill/>
-          <a:ln>
-            <a:noFill/>
-          </a:ln>
-        </p:spPr>
-        <p:txBody>
-          <a:bodyPr spcFirstLastPara="1" wrap="square" lIns="91425" tIns="45700" rIns="91425" bIns="45700" anchor="t" anchorCtr="0">
-            <a:normAutofit/>
-          </a:bodyPr>
-          <a:lstStyle/>
-          <a:p>
-            <a:pPr marL="0" lvl="0" indent="0" algn="l" rtl="0">
-              <a:lnSpc>
-                <a:spcPct val="90000"/>
-              </a:lnSpc>
-              <a:spcBef>
-                <a:spcPts val="0"/>
-              </a:spcBef>
-              <a:spcAft>
-                <a:spcPts val="0"/>
-              </a:spcAft>
-              <a:buClr>
-                <a:schemeClr val="dk1"/>
-              </a:buClr>
-              <a:buSzPts val="2200"/>
-              <a:buNone/>
-            </a:pPr>
-            <a:r>
-              <a:rPr lang="en-US" sz="2200" b="1"/>
-              <a:t>Word-Ordering Contains Information</a:t>
-            </a:r>
-            <a:endParaRPr/>
-          </a:p>
-          <a:p>
-            <a:pPr marL="347663" lvl="1" indent="-236538" algn="l" rtl="0">
-              <a:lnSpc>
-                <a:spcPct val="90000"/>
-              </a:lnSpc>
-              <a:spcBef>
-                <a:spcPts val="500"/>
-              </a:spcBef>
-              <a:spcAft>
-                <a:spcPts val="0"/>
-              </a:spcAft>
-              <a:buClr>
-                <a:schemeClr val="dk1"/>
-              </a:buClr>
-              <a:buSzPts val="1900"/>
-              <a:buChar char="•"/>
-            </a:pPr>
-            <a:r>
-              <a:rPr lang="en-US" sz="1900"/>
-              <a:t>We can get a weak representation of language sequences using n-grams, but this can be limited.</a:t>
-            </a:r>
-            <a:endParaRPr/>
-          </a:p>
-          <a:p>
-            <a:pPr marL="347663" lvl="1" indent="-236538" algn="l" rtl="0">
-              <a:lnSpc>
-                <a:spcPct val="90000"/>
-              </a:lnSpc>
-              <a:spcBef>
-                <a:spcPts val="500"/>
-              </a:spcBef>
-              <a:spcAft>
-                <a:spcPts val="0"/>
-              </a:spcAft>
-              <a:buClr>
-                <a:schemeClr val="dk1"/>
-              </a:buClr>
-              <a:buSzPts val="1900"/>
-              <a:buChar char="•"/>
-            </a:pPr>
-            <a:r>
-              <a:rPr lang="en-US" sz="1900"/>
-              <a:t>Sequence-models may provide leverage more information from language in prediction tasks (if we have enough examples, and the sequences are short enough).</a:t>
-            </a:r>
-            <a:endParaRPr/>
-          </a:p>
-          <a:p>
-            <a:pPr marL="347663" lvl="1" indent="-236538" algn="l" rtl="0">
-              <a:lnSpc>
-                <a:spcPct val="90000"/>
-              </a:lnSpc>
-              <a:spcBef>
-                <a:spcPts val="500"/>
-              </a:spcBef>
-              <a:spcAft>
-                <a:spcPts val="0"/>
-              </a:spcAft>
-              <a:buClr>
-                <a:schemeClr val="dk1"/>
-              </a:buClr>
-              <a:buSzPts val="1900"/>
-              <a:buChar char="•"/>
-            </a:pPr>
-            <a:r>
-              <a:rPr lang="en-US" sz="1900"/>
-              <a:t>We can represent these sequences with RNNs, typically bidirectional RNNs (because word ordering and interpretation is not always linear). </a:t>
-            </a:r>
-            <a:endParaRPr/>
-          </a:p>
-        </p:txBody>
-      </p:sp>
-      <p:pic>
-        <p:nvPicPr>
-          <p:cNvPr id="132" name="Google Shape;132;p6"/>
-          <p:cNvPicPr preferRelativeResize="0"/>
-          <p:nvPr/>
-        </p:nvPicPr>
-        <p:blipFill rotWithShape="1">
-          <a:blip r:embed="rId3">
-            <a:alphaModFix/>
-          </a:blip>
-          <a:srcRect/>
-          <a:stretch/>
-        </p:blipFill>
-        <p:spPr>
-          <a:xfrm>
-            <a:off x="3448050" y="4339359"/>
-            <a:ext cx="5295900" cy="1270000"/>
-          </a:xfrm>
-          <a:prstGeom prst="rect">
-            <a:avLst/>
-          </a:prstGeom>
-          <a:noFill/>
-          <a:ln>
-            <a:noFill/>
-          </a:ln>
-        </p:spPr>
-      </p:pic>
-    </p:spTree>
-  </p:cSld>
-  <p:clrMapOvr>
-    <a:masterClrMapping/>
-  </p:clrMapOvr>
-</p:sld>
-</file>
-
-<file path=ppt/slides/slide7.xml><?xml version="1.0" encoding="utf-8"?>
-<p:sld xmlns:a="http://schemas.openxmlformats.org/drawingml/2006/main" xmlns:r="http://schemas.openxmlformats.org/officeDocument/2006/relationships" xmlns:p="http://schemas.openxmlformats.org/presentationml/2006/main">
-  <p:cSld>
-    <p:spTree>
-      <p:nvGrpSpPr>
         <p:cNvPr id="1" name="Shape 136"/>
         <p:cNvGrpSpPr/>
         <p:nvPr/>
@@ -24186,6 +25037,331 @@
           </a:ln>
         </p:spPr>
       </p:pic>
+    </p:spTree>
+  </p:cSld>
+  <p:clrMapOvr>
+    <a:masterClrMapping/>
+  </p:clrMapOvr>
+</p:sld>
+</file>
+
+<file path=ppt/slides/slide7.xml><?xml version="1.0" encoding="utf-8"?>
+<p:sld xmlns:a="http://schemas.openxmlformats.org/drawingml/2006/main" xmlns:r="http://schemas.openxmlformats.org/officeDocument/2006/relationships" xmlns:p="http://schemas.openxmlformats.org/presentationml/2006/main">
+  <p:cSld>
+    <p:spTree>
+      <p:nvGrpSpPr>
+        <p:cNvPr id="1" name="Shape 144"/>
+        <p:cNvGrpSpPr/>
+        <p:nvPr/>
+      </p:nvGrpSpPr>
+      <p:grpSpPr>
+        <a:xfrm>
+          <a:off x="0" y="0"/>
+          <a:ext cx="0" cy="0"/>
+          <a:chOff x="0" y="0"/>
+          <a:chExt cx="0" cy="0"/>
+        </a:xfrm>
+      </p:grpSpPr>
+      <p:sp>
+        <p:nvSpPr>
+          <p:cNvPr id="145" name="Google Shape;145;p8"/>
+          <p:cNvSpPr txBox="1"/>
+          <p:nvPr/>
+        </p:nvSpPr>
+        <p:spPr>
+          <a:xfrm>
+            <a:off x="1325629" y="639657"/>
+            <a:ext cx="9540742" cy="923330"/>
+          </a:xfrm>
+          <a:prstGeom prst="rect">
+            <a:avLst/>
+          </a:prstGeom>
+          <a:noFill/>
+          <a:ln>
+            <a:noFill/>
+          </a:ln>
+        </p:spPr>
+        <p:txBody>
+          <a:bodyPr spcFirstLastPara="1" wrap="square" lIns="91425" tIns="45700" rIns="91425" bIns="45700" anchor="t" anchorCtr="0">
+            <a:spAutoFit/>
+          </a:bodyPr>
+          <a:lstStyle/>
+          <a:p>
+            <a:pPr marL="0" marR="0" lvl="0" indent="0" algn="ctr" rtl="0">
+              <a:spcBef>
+                <a:spcPts val="0"/>
+              </a:spcBef>
+              <a:spcAft>
+                <a:spcPts val="0"/>
+              </a:spcAft>
+              <a:buNone/>
+            </a:pPr>
+            <a:r>
+              <a:rPr lang="en-US" sz="5400" dirty="0">
+                <a:solidFill>
+                  <a:schemeClr val="dk1"/>
+                </a:solidFill>
+                <a:latin typeface="Economica"/>
+                <a:ea typeface="Economica"/>
+                <a:cs typeface="Economica"/>
+                <a:sym typeface="Economica"/>
+              </a:rPr>
+              <a:t>Masking</a:t>
+            </a:r>
+            <a:endParaRPr dirty="0"/>
+          </a:p>
+        </p:txBody>
+      </p:sp>
+      <p:sp>
+        <p:nvSpPr>
+          <p:cNvPr id="146" name="Google Shape;146;p8"/>
+          <p:cNvSpPr txBox="1"/>
+          <p:nvPr/>
+        </p:nvSpPr>
+        <p:spPr>
+          <a:xfrm>
+            <a:off x="1049123" y="1984024"/>
+            <a:ext cx="10093751" cy="3785611"/>
+          </a:xfrm>
+          <a:prstGeom prst="rect">
+            <a:avLst/>
+          </a:prstGeom>
+          <a:noFill/>
+          <a:ln>
+            <a:noFill/>
+          </a:ln>
+        </p:spPr>
+        <p:txBody>
+          <a:bodyPr spcFirstLastPara="1" wrap="square" lIns="91425" tIns="45700" rIns="91425" bIns="45700" anchor="t" anchorCtr="0">
+            <a:spAutoFit/>
+          </a:bodyPr>
+          <a:lstStyle/>
+          <a:p>
+            <a:pPr marL="0" marR="0" lvl="0" indent="0" algn="l" rtl="0">
+              <a:spcBef>
+                <a:spcPts val="0"/>
+              </a:spcBef>
+              <a:spcAft>
+                <a:spcPts val="0"/>
+              </a:spcAft>
+              <a:buNone/>
+            </a:pPr>
+            <a:r>
+              <a:rPr lang="en-US" sz="2000" b="1" dirty="0">
+                <a:solidFill>
+                  <a:schemeClr val="dk1"/>
+                </a:solidFill>
+                <a:latin typeface="Quicksand"/>
+                <a:ea typeface="Quicksand"/>
+                <a:cs typeface="Quicksand"/>
+                <a:sym typeface="Quicksand"/>
+              </a:rPr>
+              <a:t>RNNs with Ragged Lists</a:t>
+            </a:r>
+            <a:endParaRPr dirty="0"/>
+          </a:p>
+          <a:p>
+            <a:pPr marL="342900" marR="0" lvl="0" indent="-342900" algn="l" rtl="0">
+              <a:spcBef>
+                <a:spcPts val="0"/>
+              </a:spcBef>
+              <a:spcAft>
+                <a:spcPts val="0"/>
+              </a:spcAft>
+              <a:buClr>
+                <a:schemeClr val="dk1"/>
+              </a:buClr>
+              <a:buSzPts val="2000"/>
+              <a:buFont typeface="Arial"/>
+              <a:buChar char="•"/>
+            </a:pPr>
+            <a:r>
+              <a:rPr lang="en-US" sz="2000" dirty="0">
+                <a:solidFill>
+                  <a:schemeClr val="dk1"/>
+                </a:solidFill>
+                <a:latin typeface="Quicksand"/>
+                <a:ea typeface="Quicksand"/>
+                <a:cs typeface="Quicksand"/>
+                <a:sym typeface="Quicksand"/>
+              </a:rPr>
+              <a:t>Lists where each element is a sequence of variable length *can* be handled here, but not automatically.</a:t>
+            </a:r>
+          </a:p>
+          <a:p>
+            <a:pPr marL="342900" marR="0" lvl="0" indent="-342900" algn="l" rtl="0">
+              <a:spcBef>
+                <a:spcPts val="0"/>
+              </a:spcBef>
+              <a:spcAft>
+                <a:spcPts val="0"/>
+              </a:spcAft>
+              <a:buClr>
+                <a:schemeClr val="dk1"/>
+              </a:buClr>
+              <a:buSzPts val="2000"/>
+              <a:buFont typeface="Arial"/>
+              <a:buChar char="•"/>
+            </a:pPr>
+            <a:r>
+              <a:rPr lang="en-US" sz="2000" dirty="0">
+                <a:solidFill>
+                  <a:schemeClr val="dk1"/>
+                </a:solidFill>
+                <a:latin typeface="Quicksand"/>
+                <a:sym typeface="Quicksand"/>
+              </a:rPr>
+              <a:t>A batch in </a:t>
+            </a:r>
+            <a:r>
+              <a:rPr lang="en-US" sz="2000" dirty="0" err="1">
+                <a:solidFill>
+                  <a:schemeClr val="dk1"/>
+                </a:solidFill>
+                <a:latin typeface="Quicksand"/>
+                <a:sym typeface="Quicksand"/>
+              </a:rPr>
+              <a:t>Keras</a:t>
+            </a:r>
+            <a:r>
+              <a:rPr lang="en-US" sz="2000" dirty="0">
+                <a:solidFill>
+                  <a:schemeClr val="dk1"/>
+                </a:solidFill>
+                <a:latin typeface="Quicksand"/>
+                <a:sym typeface="Quicksand"/>
+              </a:rPr>
+              <a:t> must be of a fixed dimensionality; we use padding and truncation to achieve this.</a:t>
+            </a:r>
+            <a:endParaRPr dirty="0"/>
+          </a:p>
+          <a:p>
+            <a:pPr marL="0" marR="0" lvl="0" indent="0" algn="l" rtl="0">
+              <a:spcBef>
+                <a:spcPts val="0"/>
+              </a:spcBef>
+              <a:spcAft>
+                <a:spcPts val="0"/>
+              </a:spcAft>
+              <a:buNone/>
+            </a:pPr>
+            <a:endParaRPr sz="2000" b="1" dirty="0">
+              <a:solidFill>
+                <a:schemeClr val="dk1"/>
+              </a:solidFill>
+              <a:latin typeface="Quicksand"/>
+              <a:ea typeface="Quicksand"/>
+              <a:cs typeface="Quicksand"/>
+              <a:sym typeface="Quicksand"/>
+            </a:endParaRPr>
+          </a:p>
+          <a:p>
+            <a:pPr marL="0" marR="0" lvl="0" indent="0" algn="l" rtl="0">
+              <a:spcBef>
+                <a:spcPts val="0"/>
+              </a:spcBef>
+              <a:spcAft>
+                <a:spcPts val="0"/>
+              </a:spcAft>
+              <a:buNone/>
+            </a:pPr>
+            <a:r>
+              <a:rPr lang="en-US" sz="2000" b="1" dirty="0">
+                <a:solidFill>
+                  <a:schemeClr val="dk1"/>
+                </a:solidFill>
+                <a:latin typeface="Quicksand"/>
+                <a:ea typeface="Quicksand"/>
+                <a:cs typeface="Quicksand"/>
+                <a:sym typeface="Quicksand"/>
+              </a:rPr>
+              <a:t>We Deal with Variable Lengths Using a Mask</a:t>
+            </a:r>
+            <a:endParaRPr dirty="0"/>
+          </a:p>
+          <a:p>
+            <a:pPr marL="342900" marR="0" lvl="0" indent="-342900" algn="l" rtl="0">
+              <a:spcBef>
+                <a:spcPts val="0"/>
+              </a:spcBef>
+              <a:spcAft>
+                <a:spcPts val="0"/>
+              </a:spcAft>
+              <a:buClr>
+                <a:schemeClr val="dk1"/>
+              </a:buClr>
+              <a:buSzPts val="2000"/>
+              <a:buFont typeface="Arial"/>
+              <a:buChar char="•"/>
+            </a:pPr>
+            <a:r>
+              <a:rPr lang="en-US" sz="2000" dirty="0">
+                <a:solidFill>
+                  <a:schemeClr val="dk1"/>
+                </a:solidFill>
+                <a:latin typeface="Quicksand"/>
+                <a:ea typeface="Quicksand"/>
+                <a:cs typeface="Quicksand"/>
+                <a:sym typeface="Quicksand"/>
+              </a:rPr>
+              <a:t>The Masking layer “flags” sequence elements that are to be ignored by subsequent layers (e.g., an LSTM) that have the ability to process a mask.</a:t>
+            </a:r>
+          </a:p>
+          <a:p>
+            <a:pPr marL="342900" marR="0" lvl="0" indent="-342900" algn="l" rtl="0">
+              <a:spcBef>
+                <a:spcPts val="0"/>
+              </a:spcBef>
+              <a:spcAft>
+                <a:spcPts val="0"/>
+              </a:spcAft>
+              <a:buClr>
+                <a:schemeClr val="dk1"/>
+              </a:buClr>
+              <a:buSzPts val="2000"/>
+              <a:buFont typeface="Arial"/>
+              <a:buChar char="•"/>
+            </a:pPr>
+            <a:r>
+              <a:rPr lang="en-US" sz="2000" dirty="0">
+                <a:solidFill>
+                  <a:schemeClr val="dk1"/>
+                </a:solidFill>
+                <a:latin typeface="Quicksand"/>
+                <a:sym typeface="Quicksand"/>
+              </a:rPr>
+              <a:t>The output of masking layer passes on the input + a second tensor of the same shape, containing Boolean values (True = process, False = ignore).</a:t>
+            </a:r>
+          </a:p>
+          <a:p>
+            <a:pPr marL="342900" marR="0" lvl="0" indent="-342900" algn="l" rtl="0">
+              <a:spcBef>
+                <a:spcPts val="0"/>
+              </a:spcBef>
+              <a:spcAft>
+                <a:spcPts val="0"/>
+              </a:spcAft>
+              <a:buClr>
+                <a:schemeClr val="dk1"/>
+              </a:buClr>
+              <a:buSzPts val="2000"/>
+              <a:buFont typeface="Arial"/>
+              <a:buChar char="•"/>
+            </a:pPr>
+            <a:r>
+              <a:rPr lang="en-US" sz="2000" dirty="0">
+                <a:solidFill>
+                  <a:schemeClr val="dk1"/>
+                </a:solidFill>
+                <a:latin typeface="Quicksand"/>
+                <a:sym typeface="Quicksand"/>
+              </a:rPr>
+              <a:t>By default values of 0 get ignored, but we can override this.</a:t>
+            </a:r>
+            <a:endParaRPr dirty="0"/>
+          </a:p>
+        </p:txBody>
+      </p:sp>
     </p:spTree>
   </p:cSld>
   <p:clrMapOvr>
@@ -24270,7 +25446,7 @@
         <p:spPr>
           <a:xfrm>
             <a:off x="1049123" y="1984024"/>
-            <a:ext cx="10093751" cy="2862322"/>
+            <a:ext cx="10665799" cy="4093388"/>
           </a:xfrm>
           <a:prstGeom prst="rect">
             <a:avLst/>
@@ -24296,7 +25472,7 @@
               <a:buNone/>
             </a:pPr>
             <a:r>
-              <a:rPr lang="en-US" sz="2000" b="1">
+              <a:rPr lang="en-US" sz="2000" b="1" dirty="0">
                 <a:solidFill>
                   <a:schemeClr val="dk1"/>
                 </a:solidFill>
@@ -24305,9 +25481,9 @@
                 <a:cs typeface="Quicksand"/>
                 <a:sym typeface="Quicksand"/>
               </a:rPr>
-              <a:t>LSTM Will Still Struggle to Figure Out Semantics</a:t>
+              <a:t>With Hot Encodings, Model Will Still Struggle to Figure Out Semantics</a:t>
             </a:r>
-            <a:endParaRPr/>
+            <a:endParaRPr dirty="0"/>
           </a:p>
           <a:p>
             <a:pPr marL="342900" marR="0" lvl="0" indent="-342900" algn="l" rtl="0">
@@ -24325,7 +25501,7 @@
               <a:buChar char="•"/>
             </a:pPr>
             <a:r>
-              <a:rPr lang="en-US" sz="2000">
+              <a:rPr lang="en-US" sz="2000" dirty="0">
                 <a:solidFill>
                   <a:schemeClr val="dk1"/>
                 </a:solidFill>
@@ -24334,9 +25510,9 @@
                 <a:cs typeface="Quicksand"/>
                 <a:sym typeface="Quicksand"/>
               </a:rPr>
-              <a:t>Despite having sequence, it will struggle with synonyms, grammar, concepts.</a:t>
+              <a:t>Despite having sequence, the model is “told” that the tokens are orthogonal / independent of one another in their meanings. But that’s not true! </a:t>
             </a:r>
-            <a:endParaRPr/>
+            <a:endParaRPr dirty="0"/>
           </a:p>
           <a:p>
             <a:pPr marL="0" marR="0" lvl="0" indent="0" algn="l" rtl="0">
@@ -24348,7 +25524,7 @@
               </a:spcAft>
               <a:buNone/>
             </a:pPr>
-            <a:endParaRPr sz="2000" b="1">
+            <a:endParaRPr sz="2000" b="1" dirty="0">
               <a:solidFill>
                 <a:schemeClr val="dk1"/>
               </a:solidFill>
@@ -24369,7 +25545,7 @@
               <a:buNone/>
             </a:pPr>
             <a:r>
-              <a:rPr lang="en-US" sz="2000" b="1">
+              <a:rPr lang="en-US" sz="2000" b="1" dirty="0">
                 <a:solidFill>
                   <a:schemeClr val="dk1"/>
                 </a:solidFill>
@@ -24380,7 +25556,7 @@
               </a:rPr>
               <a:t>Textual Embedding Layer First Provides Dimensionality Reduction </a:t>
             </a:r>
-            <a:endParaRPr/>
+            <a:endParaRPr dirty="0"/>
           </a:p>
           <a:p>
             <a:pPr marL="342900" marR="0" lvl="0" indent="-342900" algn="l" rtl="0">
@@ -24398,7 +25574,7 @@
               <a:buChar char="•"/>
             </a:pPr>
             <a:r>
-              <a:rPr lang="en-US" sz="2000">
+              <a:rPr lang="en-US" sz="2000" dirty="0">
                 <a:solidFill>
                   <a:schemeClr val="dk1"/>
                 </a:solidFill>
@@ -24407,9 +25583,9 @@
                 <a:cs typeface="Quicksand"/>
                 <a:sym typeface="Quicksand"/>
               </a:rPr>
-              <a:t>Cast words into a latent dimensional space – similar vector = similar meaning.</a:t>
+              <a:t>Represent words into a lower dimensional space – similar vector = similar meaning.</a:t>
             </a:r>
-            <a:endParaRPr/>
+            <a:endParaRPr dirty="0"/>
           </a:p>
           <a:p>
             <a:pPr marL="342900" marR="0" lvl="0" indent="-342900" algn="l" rtl="0">
@@ -24427,7 +25603,7 @@
               <a:buChar char="•"/>
             </a:pPr>
             <a:r>
-              <a:rPr lang="en-US" sz="2000">
+              <a:rPr lang="en-US" sz="2000" dirty="0">
                 <a:solidFill>
                   <a:schemeClr val="dk1"/>
                 </a:solidFill>
@@ -24436,9 +25612,8 @@
                 <a:cs typeface="Quicksand"/>
                 <a:sym typeface="Quicksand"/>
               </a:rPr>
-              <a:t>The Embedding layer is a lookup table that maps tokens to vectors. The vector associations are weights in the network, randomly initialized. Network updates them to learn dimensionality reductions that help with prediction (just like with convolution filters).</a:t>
+              <a:t>The Embedding layer is a lookup table that maps tokens to vectors. For each token in the vocabulary, the network learns a vector representation. The vectors are initially random, and the network updates them in training to learn representations that help in prediction (just like with convolution filters!).</a:t>
             </a:r>
-            <a:endParaRPr/>
           </a:p>
           <a:p>
             <a:pPr marL="342900" marR="0" lvl="0" indent="-342900" algn="l" rtl="0">
@@ -24456,18 +25631,61 @@
               <a:buChar char="•"/>
             </a:pPr>
             <a:r>
-              <a:rPr lang="en-US" sz="2000">
+              <a:rPr lang="en-US" sz="2000" dirty="0">
                 <a:solidFill>
                   <a:schemeClr val="dk1"/>
                 </a:solidFill>
                 <a:latin typeface="Quicksand"/>
-                <a:ea typeface="Quicksand"/>
-                <a:cs typeface="Quicksand"/>
                 <a:sym typeface="Quicksand"/>
               </a:rPr>
-              <a:t>We can pass the output sequences of learned vector representations into our LSTM.</a:t>
+              <a:t>In practice, it is learning semantic relationships… </a:t>
             </a:r>
-            <a:endParaRPr/>
+          </a:p>
+          <a:p>
+            <a:pPr marL="342900" marR="0" lvl="0" indent="-342900" algn="l" rtl="0">
+              <a:spcBef>
+                <a:spcPts val="0"/>
+              </a:spcBef>
+              <a:spcAft>
+                <a:spcPts val="0"/>
+              </a:spcAft>
+              <a:buClr>
+                <a:schemeClr val="dk1"/>
+              </a:buClr>
+              <a:buSzPts val="2000"/>
+              <a:buFont typeface="Arial"/>
+              <a:buChar char="•"/>
+            </a:pPr>
+            <a:r>
+              <a:rPr lang="en-US" sz="2000" dirty="0">
+                <a:solidFill>
+                  <a:schemeClr val="dk1"/>
+                </a:solidFill>
+                <a:latin typeface="Quicksand"/>
+                <a:sym typeface="Quicksand"/>
+              </a:rPr>
+              <a:t>This is much better for an RNN than a hot encoding,</a:t>
+            </a:r>
+            <a:br>
+              <a:rPr lang="en-US" sz="2000" dirty="0">
+                <a:solidFill>
+                  <a:schemeClr val="dk1"/>
+                </a:solidFill>
+                <a:latin typeface="Quicksand"/>
+                <a:sym typeface="Quicksand"/>
+              </a:rPr>
+            </a:br>
+            <a:r>
+              <a:rPr lang="en-US" sz="2000" dirty="0">
+                <a:solidFill>
+                  <a:schemeClr val="dk1"/>
+                </a:solidFill>
+                <a:latin typeface="Quicksand"/>
+                <a:sym typeface="Quicksand"/>
+              </a:rPr>
+              <a:t>because 120 values (for example) is &lt;&lt; 20,000!</a:t>
+            </a:r>
+            <a:endParaRPr dirty="0"/>
           </a:p>
         </p:txBody>
       </p:sp>
@@ -24486,8 +25704,8 @@
         </p:blipFill>
         <p:spPr>
           <a:xfrm>
-            <a:off x="4716070" y="5216598"/>
-            <a:ext cx="2553207" cy="1480000"/>
+            <a:off x="7850146" y="4860758"/>
+            <a:ext cx="3016225" cy="1835840"/>
           </a:xfrm>
           <a:prstGeom prst="rect">
             <a:avLst/>
@@ -24499,6 +25717,11 @@
         </p:spPr>
       </p:pic>
     </p:spTree>
+    <p:extLst>
+      <p:ext uri="{BB962C8B-B14F-4D97-AF65-F5344CB8AC3E}">
+        <p14:creationId xmlns:p14="http://schemas.microsoft.com/office/powerpoint/2010/main" val="3569588175"/>
+      </p:ext>
+    </p:extLst>
   </p:cSld>
   <p:clrMapOvr>
     <a:masterClrMapping/>
